--- a/Documents/DissertationProposal/Figures.pptx
+++ b/Documents/DissertationProposal/Figures.pptx
@@ -2,12 +2,13 @@
 <file path=ppt/presentation.xml><?xml version="1.0" encoding="utf-8"?>
 <p:presentation xmlns:a="http://schemas.openxmlformats.org/drawingml/2006/main" xmlns:r="http://schemas.openxmlformats.org/officeDocument/2006/relationships" xmlns:p="http://schemas.openxmlformats.org/presentationml/2006/main" saveSubsetFonts="1" autoCompressPictures="0">
   <p:sldMasterIdLst>
-    <p:sldMasterId id="2147483648" r:id="rId1"/>
+    <p:sldMasterId id="2147483660" r:id="rId1"/>
   </p:sldMasterIdLst>
   <p:sldIdLst>
     <p:sldId id="256" r:id="rId2"/>
+    <p:sldId id="257" r:id="rId3"/>
   </p:sldIdLst>
-  <p:sldSz cx="12192000" cy="6858000"/>
+  <p:sldSz cx="12192000" cy="9144000"/>
   <p:notesSz cx="6858000" cy="9144000"/>
   <p:defaultTextStyle>
     <a:defPPr>
@@ -136,15 +137,15 @@
         </p:nvSpPr>
         <p:spPr>
           <a:xfrm>
-            <a:off x="1524000" y="1122363"/>
-            <a:ext cx="9144000" cy="2387600"/>
+            <a:off x="914400" y="1496484"/>
+            <a:ext cx="10363200" cy="3183467"/>
           </a:xfrm>
         </p:spPr>
         <p:txBody>
           <a:bodyPr anchor="b"/>
           <a:lstStyle>
             <a:lvl1pPr algn="ctr">
-              <a:defRPr sz="6000"/>
+              <a:defRPr sz="8000"/>
             </a:lvl1pPr>
           </a:lstStyle>
           <a:p>
@@ -152,7 +153,7 @@
               <a:rPr lang="en-US" smtClean="0"/>
               <a:t>Click to edit Master title style</a:t>
             </a:r>
-            <a:endParaRPr lang="en-US"/>
+            <a:endParaRPr lang="en-US" dirty="0"/>
           </a:p>
         </p:txBody>
       </p:sp>
@@ -168,8 +169,8 @@
         </p:nvSpPr>
         <p:spPr>
           <a:xfrm>
-            <a:off x="1524000" y="3602038"/>
-            <a:ext cx="9144000" cy="1655762"/>
+            <a:off x="1524000" y="4802717"/>
+            <a:ext cx="9144000" cy="2207683"/>
           </a:xfrm>
         </p:spPr>
         <p:txBody>
@@ -177,39 +178,39 @@
           <a:lstStyle>
             <a:lvl1pPr marL="0" indent="0" algn="ctr">
               <a:buNone/>
+              <a:defRPr sz="3200"/>
+            </a:lvl1pPr>
+            <a:lvl2pPr marL="609585" indent="0" algn="ctr">
+              <a:buNone/>
+              <a:defRPr sz="2667"/>
+            </a:lvl2pPr>
+            <a:lvl3pPr marL="1219170" indent="0" algn="ctr">
+              <a:buNone/>
               <a:defRPr sz="2400"/>
-            </a:lvl1pPr>
-            <a:lvl2pPr marL="457200" indent="0" algn="ctr">
+            </a:lvl3pPr>
+            <a:lvl4pPr marL="1828754" indent="0" algn="ctr">
               <a:buNone/>
-              <a:defRPr sz="2000"/>
-            </a:lvl2pPr>
-            <a:lvl3pPr marL="914400" indent="0" algn="ctr">
+              <a:defRPr sz="2133"/>
+            </a:lvl4pPr>
+            <a:lvl5pPr marL="2438339" indent="0" algn="ctr">
               <a:buNone/>
-              <a:defRPr sz="1800"/>
-            </a:lvl3pPr>
-            <a:lvl4pPr marL="1371600" indent="0" algn="ctr">
+              <a:defRPr sz="2133"/>
+            </a:lvl5pPr>
+            <a:lvl6pPr marL="3047924" indent="0" algn="ctr">
               <a:buNone/>
-              <a:defRPr sz="1600"/>
-            </a:lvl4pPr>
-            <a:lvl5pPr marL="1828800" indent="0" algn="ctr">
+              <a:defRPr sz="2133"/>
+            </a:lvl6pPr>
+            <a:lvl7pPr marL="3657509" indent="0" algn="ctr">
               <a:buNone/>
-              <a:defRPr sz="1600"/>
-            </a:lvl5pPr>
-            <a:lvl6pPr marL="2286000" indent="0" algn="ctr">
+              <a:defRPr sz="2133"/>
+            </a:lvl7pPr>
+            <a:lvl8pPr marL="4267093" indent="0" algn="ctr">
               <a:buNone/>
-              <a:defRPr sz="1600"/>
-            </a:lvl6pPr>
-            <a:lvl7pPr marL="2743200" indent="0" algn="ctr">
+              <a:defRPr sz="2133"/>
+            </a:lvl8pPr>
+            <a:lvl9pPr marL="4876678" indent="0" algn="ctr">
               <a:buNone/>
-              <a:defRPr sz="1600"/>
-            </a:lvl7pPr>
-            <a:lvl8pPr marL="3200400" indent="0" algn="ctr">
-              <a:buNone/>
-              <a:defRPr sz="1600"/>
-            </a:lvl8pPr>
-            <a:lvl9pPr marL="3657600" indent="0" algn="ctr">
-              <a:buNone/>
-              <a:defRPr sz="1600"/>
+              <a:defRPr sz="2133"/>
             </a:lvl9pPr>
           </a:lstStyle>
           <a:p>
@@ -217,7 +218,7 @@
               <a:rPr lang="en-US" smtClean="0"/>
               <a:t>Click to edit Master subtitle style</a:t>
             </a:r>
-            <a:endParaRPr lang="en-US"/>
+            <a:endParaRPr lang="en-US" dirty="0"/>
           </a:p>
         </p:txBody>
       </p:sp>
@@ -289,7 +290,7 @@
     </p:spTree>
     <p:extLst>
       <p:ext uri="{BB962C8B-B14F-4D97-AF65-F5344CB8AC3E}">
-        <p14:creationId xmlns:p14="http://schemas.microsoft.com/office/powerpoint/2010/main" val="1344003416"/>
+        <p14:creationId xmlns:p14="http://schemas.microsoft.com/office/powerpoint/2010/main" val="783801444"/>
       </p:ext>
     </p:extLst>
   </p:cSld>
@@ -335,7 +336,7 @@
               <a:rPr lang="en-US" smtClean="0"/>
               <a:t>Click to edit Master title style</a:t>
             </a:r>
-            <a:endParaRPr lang="en-US"/>
+            <a:endParaRPr lang="en-US" dirty="0"/>
           </a:p>
         </p:txBody>
       </p:sp>
@@ -387,7 +388,7 @@
               <a:rPr lang="en-US" smtClean="0"/>
               <a:t>Fifth level</a:t>
             </a:r>
-            <a:endParaRPr lang="en-US"/>
+            <a:endParaRPr lang="en-US" dirty="0"/>
           </a:p>
         </p:txBody>
       </p:sp>
@@ -459,7 +460,7 @@
     </p:spTree>
     <p:extLst>
       <p:ext uri="{BB962C8B-B14F-4D97-AF65-F5344CB8AC3E}">
-        <p14:creationId xmlns:p14="http://schemas.microsoft.com/office/powerpoint/2010/main" val="1209634162"/>
+        <p14:creationId xmlns:p14="http://schemas.microsoft.com/office/powerpoint/2010/main" val="1715295371"/>
       </p:ext>
     </p:extLst>
   </p:cSld>
@@ -498,8 +499,8 @@
         </p:nvSpPr>
         <p:spPr>
           <a:xfrm>
-            <a:off x="8724900" y="365125"/>
-            <a:ext cx="2628900" cy="5811838"/>
+            <a:off x="8724901" y="486834"/>
+            <a:ext cx="2628900" cy="7749117"/>
           </a:xfrm>
         </p:spPr>
         <p:txBody>
@@ -510,7 +511,7 @@
               <a:rPr lang="en-US" smtClean="0"/>
               <a:t>Click to edit Master title style</a:t>
             </a:r>
-            <a:endParaRPr lang="en-US"/>
+            <a:endParaRPr lang="en-US" dirty="0"/>
           </a:p>
         </p:txBody>
       </p:sp>
@@ -526,8 +527,8 @@
         </p:nvSpPr>
         <p:spPr>
           <a:xfrm>
-            <a:off x="838200" y="365125"/>
-            <a:ext cx="7734300" cy="5811838"/>
+            <a:off x="838201" y="486834"/>
+            <a:ext cx="7734300" cy="7749117"/>
           </a:xfrm>
         </p:spPr>
         <p:txBody>
@@ -567,7 +568,7 @@
               <a:rPr lang="en-US" smtClean="0"/>
               <a:t>Fifth level</a:t>
             </a:r>
-            <a:endParaRPr lang="en-US"/>
+            <a:endParaRPr lang="en-US" dirty="0"/>
           </a:p>
         </p:txBody>
       </p:sp>
@@ -639,7 +640,7 @@
     </p:spTree>
     <p:extLst>
       <p:ext uri="{BB962C8B-B14F-4D97-AF65-F5344CB8AC3E}">
-        <p14:creationId xmlns:p14="http://schemas.microsoft.com/office/powerpoint/2010/main" val="93674585"/>
+        <p14:creationId xmlns:p14="http://schemas.microsoft.com/office/powerpoint/2010/main" val="1148823069"/>
       </p:ext>
     </p:extLst>
   </p:cSld>
@@ -685,7 +686,7 @@
               <a:rPr lang="en-US" smtClean="0"/>
               <a:t>Click to edit Master title style</a:t>
             </a:r>
-            <a:endParaRPr lang="en-US"/>
+            <a:endParaRPr lang="en-US" dirty="0"/>
           </a:p>
         </p:txBody>
       </p:sp>
@@ -737,7 +738,7 @@
               <a:rPr lang="en-US" smtClean="0"/>
               <a:t>Fifth level</a:t>
             </a:r>
-            <a:endParaRPr lang="en-US"/>
+            <a:endParaRPr lang="en-US" dirty="0"/>
           </a:p>
         </p:txBody>
       </p:sp>
@@ -809,7 +810,7 @@
     </p:spTree>
     <p:extLst>
       <p:ext uri="{BB962C8B-B14F-4D97-AF65-F5344CB8AC3E}">
-        <p14:creationId xmlns:p14="http://schemas.microsoft.com/office/powerpoint/2010/main" val="84216839"/>
+        <p14:creationId xmlns:p14="http://schemas.microsoft.com/office/powerpoint/2010/main" val="686178610"/>
       </p:ext>
     </p:extLst>
   </p:cSld>
@@ -848,15 +849,15 @@
         </p:nvSpPr>
         <p:spPr>
           <a:xfrm>
-            <a:off x="831850" y="1709738"/>
-            <a:ext cx="10515600" cy="2852737"/>
+            <a:off x="831851" y="2279653"/>
+            <a:ext cx="10515600" cy="3803649"/>
           </a:xfrm>
         </p:spPr>
         <p:txBody>
           <a:bodyPr anchor="b"/>
           <a:lstStyle>
             <a:lvl1pPr>
-              <a:defRPr sz="6000"/>
+              <a:defRPr sz="8000"/>
             </a:lvl1pPr>
           </a:lstStyle>
           <a:p>
@@ -864,7 +865,7 @@
               <a:rPr lang="en-US" smtClean="0"/>
               <a:t>Click to edit Master title style</a:t>
             </a:r>
-            <a:endParaRPr lang="en-US"/>
+            <a:endParaRPr lang="en-US" dirty="0"/>
           </a:p>
         </p:txBody>
       </p:sp>
@@ -880,14 +881,32 @@
         </p:nvSpPr>
         <p:spPr>
           <a:xfrm>
-            <a:off x="831850" y="4589463"/>
-            <a:ext cx="10515600" cy="1500187"/>
+            <a:off x="831851" y="6119286"/>
+            <a:ext cx="10515600" cy="2000249"/>
           </a:xfrm>
         </p:spPr>
         <p:txBody>
           <a:bodyPr/>
           <a:lstStyle>
             <a:lvl1pPr marL="0" indent="0">
+              <a:buNone/>
+              <a:defRPr sz="3200">
+                <a:solidFill>
+                  <a:schemeClr val="tx1"/>
+                </a:solidFill>
+              </a:defRPr>
+            </a:lvl1pPr>
+            <a:lvl2pPr marL="609585" indent="0">
+              <a:buNone/>
+              <a:defRPr sz="2667">
+                <a:solidFill>
+                  <a:schemeClr val="tx1">
+                    <a:tint val="75000"/>
+                  </a:schemeClr>
+                </a:solidFill>
+              </a:defRPr>
+            </a:lvl2pPr>
+            <a:lvl3pPr marL="1219170" indent="0">
               <a:buNone/>
               <a:defRPr sz="2400">
                 <a:solidFill>
@@ -896,30 +915,10 @@
                   </a:schemeClr>
                 </a:solidFill>
               </a:defRPr>
-            </a:lvl1pPr>
-            <a:lvl2pPr marL="457200" indent="0">
+            </a:lvl3pPr>
+            <a:lvl4pPr marL="1828754" indent="0">
               <a:buNone/>
-              <a:defRPr sz="2000">
-                <a:solidFill>
-                  <a:schemeClr val="tx1">
-                    <a:tint val="75000"/>
-                  </a:schemeClr>
-                </a:solidFill>
-              </a:defRPr>
-            </a:lvl2pPr>
-            <a:lvl3pPr marL="914400" indent="0">
-              <a:buNone/>
-              <a:defRPr sz="1800">
-                <a:solidFill>
-                  <a:schemeClr val="tx1">
-                    <a:tint val="75000"/>
-                  </a:schemeClr>
-                </a:solidFill>
-              </a:defRPr>
-            </a:lvl3pPr>
-            <a:lvl4pPr marL="1371600" indent="0">
-              <a:buNone/>
-              <a:defRPr sz="1600">
+              <a:defRPr sz="2133">
                 <a:solidFill>
                   <a:schemeClr val="tx1">
                     <a:tint val="75000"/>
@@ -927,9 +926,9 @@
                 </a:solidFill>
               </a:defRPr>
             </a:lvl4pPr>
-            <a:lvl5pPr marL="1828800" indent="0">
+            <a:lvl5pPr marL="2438339" indent="0">
               <a:buNone/>
-              <a:defRPr sz="1600">
+              <a:defRPr sz="2133">
                 <a:solidFill>
                   <a:schemeClr val="tx1">
                     <a:tint val="75000"/>
@@ -937,9 +936,9 @@
                 </a:solidFill>
               </a:defRPr>
             </a:lvl5pPr>
-            <a:lvl6pPr marL="2286000" indent="0">
+            <a:lvl6pPr marL="3047924" indent="0">
               <a:buNone/>
-              <a:defRPr sz="1600">
+              <a:defRPr sz="2133">
                 <a:solidFill>
                   <a:schemeClr val="tx1">
                     <a:tint val="75000"/>
@@ -947,9 +946,9 @@
                 </a:solidFill>
               </a:defRPr>
             </a:lvl6pPr>
-            <a:lvl7pPr marL="2743200" indent="0">
+            <a:lvl7pPr marL="3657509" indent="0">
               <a:buNone/>
-              <a:defRPr sz="1600">
+              <a:defRPr sz="2133">
                 <a:solidFill>
                   <a:schemeClr val="tx1">
                     <a:tint val="75000"/>
@@ -957,9 +956,9 @@
                 </a:solidFill>
               </a:defRPr>
             </a:lvl7pPr>
-            <a:lvl8pPr marL="3200400" indent="0">
+            <a:lvl8pPr marL="4267093" indent="0">
               <a:buNone/>
-              <a:defRPr sz="1600">
+              <a:defRPr sz="2133">
                 <a:solidFill>
                   <a:schemeClr val="tx1">
                     <a:tint val="75000"/>
@@ -967,9 +966,9 @@
                 </a:solidFill>
               </a:defRPr>
             </a:lvl8pPr>
-            <a:lvl9pPr marL="3657600" indent="0">
+            <a:lvl9pPr marL="4876678" indent="0">
               <a:buNone/>
-              <a:defRPr sz="1600">
+              <a:defRPr sz="2133">
                 <a:solidFill>
                   <a:schemeClr val="tx1">
                     <a:tint val="75000"/>
@@ -1055,7 +1054,7 @@
     </p:spTree>
     <p:extLst>
       <p:ext uri="{BB962C8B-B14F-4D97-AF65-F5344CB8AC3E}">
-        <p14:creationId xmlns:p14="http://schemas.microsoft.com/office/powerpoint/2010/main" val="240689700"/>
+        <p14:creationId xmlns:p14="http://schemas.microsoft.com/office/powerpoint/2010/main" val="616713880"/>
       </p:ext>
     </p:extLst>
   </p:cSld>
@@ -1101,7 +1100,7 @@
               <a:rPr lang="en-US" smtClean="0"/>
               <a:t>Click to edit Master title style</a:t>
             </a:r>
-            <a:endParaRPr lang="en-US"/>
+            <a:endParaRPr lang="en-US" dirty="0"/>
           </a:p>
         </p:txBody>
       </p:sp>
@@ -1117,8 +1116,8 @@
         </p:nvSpPr>
         <p:spPr>
           <a:xfrm>
-            <a:off x="838200" y="1825625"/>
-            <a:ext cx="5181600" cy="4351338"/>
+            <a:off x="838200" y="2434167"/>
+            <a:ext cx="5181600" cy="5801784"/>
           </a:xfrm>
         </p:spPr>
         <p:txBody>
@@ -1158,7 +1157,7 @@
               <a:rPr lang="en-US" smtClean="0"/>
               <a:t>Fifth level</a:t>
             </a:r>
-            <a:endParaRPr lang="en-US"/>
+            <a:endParaRPr lang="en-US" dirty="0"/>
           </a:p>
         </p:txBody>
       </p:sp>
@@ -1174,8 +1173,8 @@
         </p:nvSpPr>
         <p:spPr>
           <a:xfrm>
-            <a:off x="6172200" y="1825625"/>
-            <a:ext cx="5181600" cy="4351338"/>
+            <a:off x="6172200" y="2434167"/>
+            <a:ext cx="5181600" cy="5801784"/>
           </a:xfrm>
         </p:spPr>
         <p:txBody>
@@ -1215,7 +1214,7 @@
               <a:rPr lang="en-US" smtClean="0"/>
               <a:t>Fifth level</a:t>
             </a:r>
-            <a:endParaRPr lang="en-US"/>
+            <a:endParaRPr lang="en-US" dirty="0"/>
           </a:p>
         </p:txBody>
       </p:sp>
@@ -1287,7 +1286,7 @@
     </p:spTree>
     <p:extLst>
       <p:ext uri="{BB962C8B-B14F-4D97-AF65-F5344CB8AC3E}">
-        <p14:creationId xmlns:p14="http://schemas.microsoft.com/office/powerpoint/2010/main" val="1560080599"/>
+        <p14:creationId xmlns:p14="http://schemas.microsoft.com/office/powerpoint/2010/main" val="1354100738"/>
       </p:ext>
     </p:extLst>
   </p:cSld>
@@ -1326,8 +1325,8 @@
         </p:nvSpPr>
         <p:spPr>
           <a:xfrm>
-            <a:off x="839788" y="365125"/>
-            <a:ext cx="10515600" cy="1325563"/>
+            <a:off x="839788" y="486836"/>
+            <a:ext cx="10515600" cy="1767417"/>
           </a:xfrm>
         </p:spPr>
         <p:txBody>
@@ -1338,7 +1337,7 @@
               <a:rPr lang="en-US" smtClean="0"/>
               <a:t>Click to edit Master title style</a:t>
             </a:r>
-            <a:endParaRPr lang="en-US"/>
+            <a:endParaRPr lang="en-US" dirty="0"/>
           </a:p>
         </p:txBody>
       </p:sp>
@@ -1354,8 +1353,8 @@
         </p:nvSpPr>
         <p:spPr>
           <a:xfrm>
-            <a:off x="839788" y="1681163"/>
-            <a:ext cx="5157787" cy="823912"/>
+            <a:off x="839789" y="2241551"/>
+            <a:ext cx="5157787" cy="1098549"/>
           </a:xfrm>
         </p:spPr>
         <p:txBody>
@@ -1363,39 +1362,39 @@
           <a:lstStyle>
             <a:lvl1pPr marL="0" indent="0">
               <a:buNone/>
+              <a:defRPr sz="3200" b="1"/>
+            </a:lvl1pPr>
+            <a:lvl2pPr marL="609585" indent="0">
+              <a:buNone/>
+              <a:defRPr sz="2667" b="1"/>
+            </a:lvl2pPr>
+            <a:lvl3pPr marL="1219170" indent="0">
+              <a:buNone/>
               <a:defRPr sz="2400" b="1"/>
-            </a:lvl1pPr>
-            <a:lvl2pPr marL="457200" indent="0">
+            </a:lvl3pPr>
+            <a:lvl4pPr marL="1828754" indent="0">
               <a:buNone/>
-              <a:defRPr sz="2000" b="1"/>
-            </a:lvl2pPr>
-            <a:lvl3pPr marL="914400" indent="0">
+              <a:defRPr sz="2133" b="1"/>
+            </a:lvl4pPr>
+            <a:lvl5pPr marL="2438339" indent="0">
               <a:buNone/>
-              <a:defRPr sz="1800" b="1"/>
-            </a:lvl3pPr>
-            <a:lvl4pPr marL="1371600" indent="0">
+              <a:defRPr sz="2133" b="1"/>
+            </a:lvl5pPr>
+            <a:lvl6pPr marL="3047924" indent="0">
               <a:buNone/>
-              <a:defRPr sz="1600" b="1"/>
-            </a:lvl4pPr>
-            <a:lvl5pPr marL="1828800" indent="0">
+              <a:defRPr sz="2133" b="1"/>
+            </a:lvl6pPr>
+            <a:lvl7pPr marL="3657509" indent="0">
               <a:buNone/>
-              <a:defRPr sz="1600" b="1"/>
-            </a:lvl5pPr>
-            <a:lvl6pPr marL="2286000" indent="0">
+              <a:defRPr sz="2133" b="1"/>
+            </a:lvl7pPr>
+            <a:lvl8pPr marL="4267093" indent="0">
               <a:buNone/>
-              <a:defRPr sz="1600" b="1"/>
-            </a:lvl6pPr>
-            <a:lvl7pPr marL="2743200" indent="0">
+              <a:defRPr sz="2133" b="1"/>
+            </a:lvl8pPr>
+            <a:lvl9pPr marL="4876678" indent="0">
               <a:buNone/>
-              <a:defRPr sz="1600" b="1"/>
-            </a:lvl7pPr>
-            <a:lvl8pPr marL="3200400" indent="0">
-              <a:buNone/>
-              <a:defRPr sz="1600" b="1"/>
-            </a:lvl8pPr>
-            <a:lvl9pPr marL="3657600" indent="0">
-              <a:buNone/>
-              <a:defRPr sz="1600" b="1"/>
+              <a:defRPr sz="2133" b="1"/>
             </a:lvl9pPr>
           </a:lstStyle>
           <a:p>
@@ -1419,8 +1418,8 @@
         </p:nvSpPr>
         <p:spPr>
           <a:xfrm>
-            <a:off x="839788" y="2505075"/>
-            <a:ext cx="5157787" cy="3684588"/>
+            <a:off x="839789" y="3340100"/>
+            <a:ext cx="5157787" cy="4912784"/>
           </a:xfrm>
         </p:spPr>
         <p:txBody>
@@ -1460,7 +1459,7 @@
               <a:rPr lang="en-US" smtClean="0"/>
               <a:t>Fifth level</a:t>
             </a:r>
-            <a:endParaRPr lang="en-US"/>
+            <a:endParaRPr lang="en-US" dirty="0"/>
           </a:p>
         </p:txBody>
       </p:sp>
@@ -1476,8 +1475,8 @@
         </p:nvSpPr>
         <p:spPr>
           <a:xfrm>
-            <a:off x="6172200" y="1681163"/>
-            <a:ext cx="5183188" cy="823912"/>
+            <a:off x="6172201" y="2241551"/>
+            <a:ext cx="5183188" cy="1098549"/>
           </a:xfrm>
         </p:spPr>
         <p:txBody>
@@ -1485,39 +1484,39 @@
           <a:lstStyle>
             <a:lvl1pPr marL="0" indent="0">
               <a:buNone/>
+              <a:defRPr sz="3200" b="1"/>
+            </a:lvl1pPr>
+            <a:lvl2pPr marL="609585" indent="0">
+              <a:buNone/>
+              <a:defRPr sz="2667" b="1"/>
+            </a:lvl2pPr>
+            <a:lvl3pPr marL="1219170" indent="0">
+              <a:buNone/>
               <a:defRPr sz="2400" b="1"/>
-            </a:lvl1pPr>
-            <a:lvl2pPr marL="457200" indent="0">
+            </a:lvl3pPr>
+            <a:lvl4pPr marL="1828754" indent="0">
               <a:buNone/>
-              <a:defRPr sz="2000" b="1"/>
-            </a:lvl2pPr>
-            <a:lvl3pPr marL="914400" indent="0">
+              <a:defRPr sz="2133" b="1"/>
+            </a:lvl4pPr>
+            <a:lvl5pPr marL="2438339" indent="0">
               <a:buNone/>
-              <a:defRPr sz="1800" b="1"/>
-            </a:lvl3pPr>
-            <a:lvl4pPr marL="1371600" indent="0">
+              <a:defRPr sz="2133" b="1"/>
+            </a:lvl5pPr>
+            <a:lvl6pPr marL="3047924" indent="0">
               <a:buNone/>
-              <a:defRPr sz="1600" b="1"/>
-            </a:lvl4pPr>
-            <a:lvl5pPr marL="1828800" indent="0">
+              <a:defRPr sz="2133" b="1"/>
+            </a:lvl6pPr>
+            <a:lvl7pPr marL="3657509" indent="0">
               <a:buNone/>
-              <a:defRPr sz="1600" b="1"/>
-            </a:lvl5pPr>
-            <a:lvl6pPr marL="2286000" indent="0">
+              <a:defRPr sz="2133" b="1"/>
+            </a:lvl7pPr>
+            <a:lvl8pPr marL="4267093" indent="0">
               <a:buNone/>
-              <a:defRPr sz="1600" b="1"/>
-            </a:lvl6pPr>
-            <a:lvl7pPr marL="2743200" indent="0">
+              <a:defRPr sz="2133" b="1"/>
+            </a:lvl8pPr>
+            <a:lvl9pPr marL="4876678" indent="0">
               <a:buNone/>
-              <a:defRPr sz="1600" b="1"/>
-            </a:lvl7pPr>
-            <a:lvl8pPr marL="3200400" indent="0">
-              <a:buNone/>
-              <a:defRPr sz="1600" b="1"/>
-            </a:lvl8pPr>
-            <a:lvl9pPr marL="3657600" indent="0">
-              <a:buNone/>
-              <a:defRPr sz="1600" b="1"/>
+              <a:defRPr sz="2133" b="1"/>
             </a:lvl9pPr>
           </a:lstStyle>
           <a:p>
@@ -1541,8 +1540,8 @@
         </p:nvSpPr>
         <p:spPr>
           <a:xfrm>
-            <a:off x="6172200" y="2505075"/>
-            <a:ext cx="5183188" cy="3684588"/>
+            <a:off x="6172201" y="3340100"/>
+            <a:ext cx="5183188" cy="4912784"/>
           </a:xfrm>
         </p:spPr>
         <p:txBody>
@@ -1582,7 +1581,7 @@
               <a:rPr lang="en-US" smtClean="0"/>
               <a:t>Fifth level</a:t>
             </a:r>
-            <a:endParaRPr lang="en-US"/>
+            <a:endParaRPr lang="en-US" dirty="0"/>
           </a:p>
         </p:txBody>
       </p:sp>
@@ -1654,7 +1653,7 @@
     </p:spTree>
     <p:extLst>
       <p:ext uri="{BB962C8B-B14F-4D97-AF65-F5344CB8AC3E}">
-        <p14:creationId xmlns:p14="http://schemas.microsoft.com/office/powerpoint/2010/main" val="1646781170"/>
+        <p14:creationId xmlns:p14="http://schemas.microsoft.com/office/powerpoint/2010/main" val="1486896307"/>
       </p:ext>
     </p:extLst>
   </p:cSld>
@@ -1700,7 +1699,7 @@
               <a:rPr lang="en-US" smtClean="0"/>
               <a:t>Click to edit Master title style</a:t>
             </a:r>
-            <a:endParaRPr lang="en-US"/>
+            <a:endParaRPr lang="en-US" dirty="0"/>
           </a:p>
         </p:txBody>
       </p:sp>
@@ -1772,7 +1771,7 @@
     </p:spTree>
     <p:extLst>
       <p:ext uri="{BB962C8B-B14F-4D97-AF65-F5344CB8AC3E}">
-        <p14:creationId xmlns:p14="http://schemas.microsoft.com/office/powerpoint/2010/main" val="681881654"/>
+        <p14:creationId xmlns:p14="http://schemas.microsoft.com/office/powerpoint/2010/main" val="2146515257"/>
       </p:ext>
     </p:extLst>
   </p:cSld>
@@ -1867,7 +1866,7 @@
     </p:spTree>
     <p:extLst>
       <p:ext uri="{BB962C8B-B14F-4D97-AF65-F5344CB8AC3E}">
-        <p14:creationId xmlns:p14="http://schemas.microsoft.com/office/powerpoint/2010/main" val="1412218386"/>
+        <p14:creationId xmlns:p14="http://schemas.microsoft.com/office/powerpoint/2010/main" val="904138446"/>
       </p:ext>
     </p:extLst>
   </p:cSld>
@@ -1906,15 +1905,15 @@
         </p:nvSpPr>
         <p:spPr>
           <a:xfrm>
-            <a:off x="839788" y="457200"/>
-            <a:ext cx="3932237" cy="1600200"/>
+            <a:off x="839788" y="609600"/>
+            <a:ext cx="3932237" cy="2133600"/>
           </a:xfrm>
         </p:spPr>
         <p:txBody>
           <a:bodyPr anchor="b"/>
           <a:lstStyle>
             <a:lvl1pPr>
-              <a:defRPr sz="3200"/>
+              <a:defRPr sz="4267"/>
             </a:lvl1pPr>
           </a:lstStyle>
           <a:p>
@@ -1922,7 +1921,7 @@
               <a:rPr lang="en-US" smtClean="0"/>
               <a:t>Click to edit Master title style</a:t>
             </a:r>
-            <a:endParaRPr lang="en-US"/>
+            <a:endParaRPr lang="en-US" dirty="0"/>
           </a:p>
         </p:txBody>
       </p:sp>
@@ -1938,39 +1937,39 @@
         </p:nvSpPr>
         <p:spPr>
           <a:xfrm>
-            <a:off x="5183188" y="987425"/>
-            <a:ext cx="6172200" cy="4873625"/>
+            <a:off x="5183188" y="1316569"/>
+            <a:ext cx="6172200" cy="6498167"/>
           </a:xfrm>
         </p:spPr>
         <p:txBody>
           <a:bodyPr/>
           <a:lstStyle>
             <a:lvl1pPr>
-              <a:defRPr sz="3200"/>
+              <a:defRPr sz="4267"/>
             </a:lvl1pPr>
             <a:lvl2pPr>
-              <a:defRPr sz="2800"/>
+              <a:defRPr sz="3733"/>
             </a:lvl2pPr>
             <a:lvl3pPr>
-              <a:defRPr sz="2400"/>
+              <a:defRPr sz="3200"/>
             </a:lvl3pPr>
             <a:lvl4pPr>
-              <a:defRPr sz="2000"/>
+              <a:defRPr sz="2667"/>
             </a:lvl4pPr>
             <a:lvl5pPr>
-              <a:defRPr sz="2000"/>
+              <a:defRPr sz="2667"/>
             </a:lvl5pPr>
             <a:lvl6pPr>
-              <a:defRPr sz="2000"/>
+              <a:defRPr sz="2667"/>
             </a:lvl6pPr>
             <a:lvl7pPr>
-              <a:defRPr sz="2000"/>
+              <a:defRPr sz="2667"/>
             </a:lvl7pPr>
             <a:lvl8pPr>
-              <a:defRPr sz="2000"/>
+              <a:defRPr sz="2667"/>
             </a:lvl8pPr>
             <a:lvl9pPr>
-              <a:defRPr sz="2000"/>
+              <a:defRPr sz="2667"/>
             </a:lvl9pPr>
           </a:lstStyle>
           <a:p>
@@ -2007,7 +2006,7 @@
               <a:rPr lang="en-US" smtClean="0"/>
               <a:t>Fifth level</a:t>
             </a:r>
-            <a:endParaRPr lang="en-US"/>
+            <a:endParaRPr lang="en-US" dirty="0"/>
           </a:p>
         </p:txBody>
       </p:sp>
@@ -2023,8 +2022,8 @@
         </p:nvSpPr>
         <p:spPr>
           <a:xfrm>
-            <a:off x="839788" y="2057400"/>
-            <a:ext cx="3932237" cy="3811588"/>
+            <a:off x="839788" y="2743200"/>
+            <a:ext cx="3932237" cy="5082117"/>
           </a:xfrm>
         </p:spPr>
         <p:txBody>
@@ -2032,39 +2031,39 @@
           <a:lstStyle>
             <a:lvl1pPr marL="0" indent="0">
               <a:buNone/>
+              <a:defRPr sz="2133"/>
+            </a:lvl1pPr>
+            <a:lvl2pPr marL="609585" indent="0">
+              <a:buNone/>
+              <a:defRPr sz="1867"/>
+            </a:lvl2pPr>
+            <a:lvl3pPr marL="1219170" indent="0">
+              <a:buNone/>
               <a:defRPr sz="1600"/>
-            </a:lvl1pPr>
-            <a:lvl2pPr marL="457200" indent="0">
+            </a:lvl3pPr>
+            <a:lvl4pPr marL="1828754" indent="0">
               <a:buNone/>
-              <a:defRPr sz="1400"/>
-            </a:lvl2pPr>
-            <a:lvl3pPr marL="914400" indent="0">
+              <a:defRPr sz="1333"/>
+            </a:lvl4pPr>
+            <a:lvl5pPr marL="2438339" indent="0">
               <a:buNone/>
-              <a:defRPr sz="1200"/>
-            </a:lvl3pPr>
-            <a:lvl4pPr marL="1371600" indent="0">
+              <a:defRPr sz="1333"/>
+            </a:lvl5pPr>
+            <a:lvl6pPr marL="3047924" indent="0">
               <a:buNone/>
-              <a:defRPr sz="1000"/>
-            </a:lvl4pPr>
-            <a:lvl5pPr marL="1828800" indent="0">
+              <a:defRPr sz="1333"/>
+            </a:lvl6pPr>
+            <a:lvl7pPr marL="3657509" indent="0">
               <a:buNone/>
-              <a:defRPr sz="1000"/>
-            </a:lvl5pPr>
-            <a:lvl6pPr marL="2286000" indent="0">
+              <a:defRPr sz="1333"/>
+            </a:lvl7pPr>
+            <a:lvl8pPr marL="4267093" indent="0">
               <a:buNone/>
-              <a:defRPr sz="1000"/>
-            </a:lvl6pPr>
-            <a:lvl7pPr marL="2743200" indent="0">
+              <a:defRPr sz="1333"/>
+            </a:lvl8pPr>
+            <a:lvl9pPr marL="4876678" indent="0">
               <a:buNone/>
-              <a:defRPr sz="1000"/>
-            </a:lvl7pPr>
-            <a:lvl8pPr marL="3200400" indent="0">
-              <a:buNone/>
-              <a:defRPr sz="1000"/>
-            </a:lvl8pPr>
-            <a:lvl9pPr marL="3657600" indent="0">
-              <a:buNone/>
-              <a:defRPr sz="1000"/>
+              <a:defRPr sz="1333"/>
             </a:lvl9pPr>
           </a:lstStyle>
           <a:p>
@@ -2144,7 +2143,7 @@
     </p:spTree>
     <p:extLst>
       <p:ext uri="{BB962C8B-B14F-4D97-AF65-F5344CB8AC3E}">
-        <p14:creationId xmlns:p14="http://schemas.microsoft.com/office/powerpoint/2010/main" val="1165146858"/>
+        <p14:creationId xmlns:p14="http://schemas.microsoft.com/office/powerpoint/2010/main" val="260575750"/>
       </p:ext>
     </p:extLst>
   </p:cSld>
@@ -2183,15 +2182,15 @@
         </p:nvSpPr>
         <p:spPr>
           <a:xfrm>
-            <a:off x="839788" y="457200"/>
-            <a:ext cx="3932237" cy="1600200"/>
+            <a:off x="839788" y="609600"/>
+            <a:ext cx="3932237" cy="2133600"/>
           </a:xfrm>
         </p:spPr>
         <p:txBody>
           <a:bodyPr anchor="b"/>
           <a:lstStyle>
             <a:lvl1pPr>
-              <a:defRPr sz="3200"/>
+              <a:defRPr sz="4267"/>
             </a:lvl1pPr>
           </a:lstStyle>
           <a:p>
@@ -2199,7 +2198,7 @@
               <a:rPr lang="en-US" smtClean="0"/>
               <a:t>Click to edit Master title style</a:t>
             </a:r>
-            <a:endParaRPr lang="en-US"/>
+            <a:endParaRPr lang="en-US" dirty="0"/>
           </a:p>
         </p:txBody>
       </p:sp>
@@ -2207,7 +2206,7 @@
         <p:nvSpPr>
           <p:cNvPr id="3" name="Picture Placeholder 2"/>
           <p:cNvSpPr>
-            <a:spLocks noGrp="1"/>
+            <a:spLocks noGrp="1" noChangeAspect="1"/>
           </p:cNvSpPr>
           <p:nvPr>
             <p:ph type="pic" idx="1"/>
@@ -2215,52 +2214,56 @@
         </p:nvSpPr>
         <p:spPr>
           <a:xfrm>
-            <a:off x="5183188" y="987425"/>
-            <a:ext cx="6172200" cy="4873625"/>
-          </a:xfrm>
-        </p:spPr>
-        <p:txBody>
-          <a:bodyPr/>
+            <a:off x="5183188" y="1316569"/>
+            <a:ext cx="6172200" cy="6498167"/>
+          </a:xfrm>
+        </p:spPr>
+        <p:txBody>
+          <a:bodyPr anchor="t"/>
           <a:lstStyle>
             <a:lvl1pPr marL="0" indent="0">
               <a:buNone/>
+              <a:defRPr sz="4267"/>
+            </a:lvl1pPr>
+            <a:lvl2pPr marL="609585" indent="0">
+              <a:buNone/>
+              <a:defRPr sz="3733"/>
+            </a:lvl2pPr>
+            <a:lvl3pPr marL="1219170" indent="0">
+              <a:buNone/>
               <a:defRPr sz="3200"/>
-            </a:lvl1pPr>
-            <a:lvl2pPr marL="457200" indent="0">
+            </a:lvl3pPr>
+            <a:lvl4pPr marL="1828754" indent="0">
               <a:buNone/>
-              <a:defRPr sz="2800"/>
-            </a:lvl2pPr>
-            <a:lvl3pPr marL="914400" indent="0">
+              <a:defRPr sz="2667"/>
+            </a:lvl4pPr>
+            <a:lvl5pPr marL="2438339" indent="0">
               <a:buNone/>
-              <a:defRPr sz="2400"/>
-            </a:lvl3pPr>
-            <a:lvl4pPr marL="1371600" indent="0">
+              <a:defRPr sz="2667"/>
+            </a:lvl5pPr>
+            <a:lvl6pPr marL="3047924" indent="0">
               <a:buNone/>
-              <a:defRPr sz="2000"/>
-            </a:lvl4pPr>
-            <a:lvl5pPr marL="1828800" indent="0">
+              <a:defRPr sz="2667"/>
+            </a:lvl6pPr>
+            <a:lvl7pPr marL="3657509" indent="0">
               <a:buNone/>
-              <a:defRPr sz="2000"/>
-            </a:lvl5pPr>
-            <a:lvl6pPr marL="2286000" indent="0">
+              <a:defRPr sz="2667"/>
+            </a:lvl7pPr>
+            <a:lvl8pPr marL="4267093" indent="0">
               <a:buNone/>
-              <a:defRPr sz="2000"/>
-            </a:lvl6pPr>
-            <a:lvl7pPr marL="2743200" indent="0">
+              <a:defRPr sz="2667"/>
+            </a:lvl8pPr>
+            <a:lvl9pPr marL="4876678" indent="0">
               <a:buNone/>
-              <a:defRPr sz="2000"/>
-            </a:lvl7pPr>
-            <a:lvl8pPr marL="3200400" indent="0">
-              <a:buNone/>
-              <a:defRPr sz="2000"/>
-            </a:lvl8pPr>
-            <a:lvl9pPr marL="3657600" indent="0">
-              <a:buNone/>
-              <a:defRPr sz="2000"/>
+              <a:defRPr sz="2667"/>
             </a:lvl9pPr>
           </a:lstStyle>
           <a:p>
-            <a:endParaRPr lang="en-US"/>
+            <a:r>
+              <a:rPr lang="en-US" smtClean="0"/>
+              <a:t>Drag picture to placeholder or click icon to add</a:t>
+            </a:r>
+            <a:endParaRPr lang="en-US" dirty="0"/>
           </a:p>
         </p:txBody>
       </p:sp>
@@ -2276,8 +2279,8 @@
         </p:nvSpPr>
         <p:spPr>
           <a:xfrm>
-            <a:off x="839788" y="2057400"/>
-            <a:ext cx="3932237" cy="3811588"/>
+            <a:off x="839788" y="2743200"/>
+            <a:ext cx="3932237" cy="5082117"/>
           </a:xfrm>
         </p:spPr>
         <p:txBody>
@@ -2285,39 +2288,39 @@
           <a:lstStyle>
             <a:lvl1pPr marL="0" indent="0">
               <a:buNone/>
+              <a:defRPr sz="2133"/>
+            </a:lvl1pPr>
+            <a:lvl2pPr marL="609585" indent="0">
+              <a:buNone/>
+              <a:defRPr sz="1867"/>
+            </a:lvl2pPr>
+            <a:lvl3pPr marL="1219170" indent="0">
+              <a:buNone/>
               <a:defRPr sz="1600"/>
-            </a:lvl1pPr>
-            <a:lvl2pPr marL="457200" indent="0">
+            </a:lvl3pPr>
+            <a:lvl4pPr marL="1828754" indent="0">
               <a:buNone/>
-              <a:defRPr sz="1400"/>
-            </a:lvl2pPr>
-            <a:lvl3pPr marL="914400" indent="0">
+              <a:defRPr sz="1333"/>
+            </a:lvl4pPr>
+            <a:lvl5pPr marL="2438339" indent="0">
               <a:buNone/>
-              <a:defRPr sz="1200"/>
-            </a:lvl3pPr>
-            <a:lvl4pPr marL="1371600" indent="0">
+              <a:defRPr sz="1333"/>
+            </a:lvl5pPr>
+            <a:lvl6pPr marL="3047924" indent="0">
               <a:buNone/>
-              <a:defRPr sz="1000"/>
-            </a:lvl4pPr>
-            <a:lvl5pPr marL="1828800" indent="0">
+              <a:defRPr sz="1333"/>
+            </a:lvl6pPr>
+            <a:lvl7pPr marL="3657509" indent="0">
               <a:buNone/>
-              <a:defRPr sz="1000"/>
-            </a:lvl5pPr>
-            <a:lvl6pPr marL="2286000" indent="0">
+              <a:defRPr sz="1333"/>
+            </a:lvl7pPr>
+            <a:lvl8pPr marL="4267093" indent="0">
               <a:buNone/>
-              <a:defRPr sz="1000"/>
-            </a:lvl6pPr>
-            <a:lvl7pPr marL="2743200" indent="0">
+              <a:defRPr sz="1333"/>
+            </a:lvl8pPr>
+            <a:lvl9pPr marL="4876678" indent="0">
               <a:buNone/>
-              <a:defRPr sz="1000"/>
-            </a:lvl7pPr>
-            <a:lvl8pPr marL="3200400" indent="0">
-              <a:buNone/>
-              <a:defRPr sz="1000"/>
-            </a:lvl8pPr>
-            <a:lvl9pPr marL="3657600" indent="0">
-              <a:buNone/>
-              <a:defRPr sz="1000"/>
+              <a:defRPr sz="1333"/>
             </a:lvl9pPr>
           </a:lstStyle>
           <a:p>
@@ -2397,7 +2400,7 @@
     </p:spTree>
     <p:extLst>
       <p:ext uri="{BB962C8B-B14F-4D97-AF65-F5344CB8AC3E}">
-        <p14:creationId xmlns:p14="http://schemas.microsoft.com/office/powerpoint/2010/main" val="1867349060"/>
+        <p14:creationId xmlns:p14="http://schemas.microsoft.com/office/powerpoint/2010/main" val="777474017"/>
       </p:ext>
     </p:extLst>
   </p:cSld>
@@ -2441,8 +2444,8 @@
         </p:nvSpPr>
         <p:spPr>
           <a:xfrm>
-            <a:off x="838200" y="365125"/>
-            <a:ext cx="10515600" cy="1325563"/>
+            <a:off x="838200" y="486836"/>
+            <a:ext cx="10515600" cy="1767417"/>
           </a:xfrm>
           <a:prstGeom prst="rect">
             <a:avLst/>
@@ -2458,7 +2461,7 @@
               <a:rPr lang="en-US" smtClean="0"/>
               <a:t>Click to edit Master title style</a:t>
             </a:r>
-            <a:endParaRPr lang="en-US"/>
+            <a:endParaRPr lang="en-US" dirty="0"/>
           </a:p>
         </p:txBody>
       </p:sp>
@@ -2474,8 +2477,8 @@
         </p:nvSpPr>
         <p:spPr>
           <a:xfrm>
-            <a:off x="838200" y="1825625"/>
-            <a:ext cx="10515600" cy="4351338"/>
+            <a:off x="838200" y="2434167"/>
+            <a:ext cx="10515600" cy="5801784"/>
           </a:xfrm>
           <a:prstGeom prst="rect">
             <a:avLst/>
@@ -2520,7 +2523,7 @@
               <a:rPr lang="en-US" smtClean="0"/>
               <a:t>Fifth level</a:t>
             </a:r>
-            <a:endParaRPr lang="en-US"/>
+            <a:endParaRPr lang="en-US" dirty="0"/>
           </a:p>
         </p:txBody>
       </p:sp>
@@ -2536,8 +2539,8 @@
         </p:nvSpPr>
         <p:spPr>
           <a:xfrm>
-            <a:off x="838200" y="6356350"/>
-            <a:ext cx="2743200" cy="365125"/>
+            <a:off x="838200" y="8475136"/>
+            <a:ext cx="2743200" cy="486833"/>
           </a:xfrm>
           <a:prstGeom prst="rect">
             <a:avLst/>
@@ -2547,7 +2550,7 @@
           <a:bodyPr vert="horz" lIns="91440" tIns="45720" rIns="91440" bIns="45720" rtlCol="0" anchor="ctr"/>
           <a:lstStyle>
             <a:lvl1pPr algn="l">
-              <a:defRPr sz="1200">
+              <a:defRPr sz="1600">
                 <a:solidFill>
                   <a:schemeClr val="tx1">
                     <a:tint val="75000"/>
@@ -2577,8 +2580,8 @@
         </p:nvSpPr>
         <p:spPr>
           <a:xfrm>
-            <a:off x="4038600" y="6356350"/>
-            <a:ext cx="4114800" cy="365125"/>
+            <a:off x="4038600" y="8475136"/>
+            <a:ext cx="4114800" cy="486833"/>
           </a:xfrm>
           <a:prstGeom prst="rect">
             <a:avLst/>
@@ -2588,7 +2591,7 @@
           <a:bodyPr vert="horz" lIns="91440" tIns="45720" rIns="91440" bIns="45720" rtlCol="0" anchor="ctr"/>
           <a:lstStyle>
             <a:lvl1pPr algn="ctr">
-              <a:defRPr sz="1200">
+              <a:defRPr sz="1600">
                 <a:solidFill>
                   <a:schemeClr val="tx1">
                     <a:tint val="75000"/>
@@ -2614,8 +2617,8 @@
         </p:nvSpPr>
         <p:spPr>
           <a:xfrm>
-            <a:off x="8610600" y="6356350"/>
-            <a:ext cx="2743200" cy="365125"/>
+            <a:off x="8610600" y="8475136"/>
+            <a:ext cx="2743200" cy="486833"/>
           </a:xfrm>
           <a:prstGeom prst="rect">
             <a:avLst/>
@@ -2625,7 +2628,7 @@
           <a:bodyPr vert="horz" lIns="91440" tIns="45720" rIns="91440" bIns="45720" rtlCol="0" anchor="ctr"/>
           <a:lstStyle>
             <a:lvl1pPr algn="r">
-              <a:defRPr sz="1200">
+              <a:defRPr sz="1600">
                 <a:solidFill>
                   <a:schemeClr val="tx1">
                     <a:tint val="75000"/>
@@ -2646,27 +2649,27 @@
     </p:spTree>
     <p:extLst>
       <p:ext uri="{BB962C8B-B14F-4D97-AF65-F5344CB8AC3E}">
-        <p14:creationId xmlns:p14="http://schemas.microsoft.com/office/powerpoint/2010/main" val="1733450774"/>
+        <p14:creationId xmlns:p14="http://schemas.microsoft.com/office/powerpoint/2010/main" val="1823880846"/>
       </p:ext>
     </p:extLst>
   </p:cSld>
   <p:clrMap bg1="lt1" tx1="dk1" bg2="lt2" tx2="dk2" accent1="accent1" accent2="accent2" accent3="accent3" accent4="accent4" accent5="accent5" accent6="accent6" hlink="hlink" folHlink="folHlink"/>
   <p:sldLayoutIdLst>
-    <p:sldLayoutId id="2147483649" r:id="rId1"/>
-    <p:sldLayoutId id="2147483650" r:id="rId2"/>
-    <p:sldLayoutId id="2147483651" r:id="rId3"/>
-    <p:sldLayoutId id="2147483652" r:id="rId4"/>
-    <p:sldLayoutId id="2147483653" r:id="rId5"/>
-    <p:sldLayoutId id="2147483654" r:id="rId6"/>
-    <p:sldLayoutId id="2147483655" r:id="rId7"/>
-    <p:sldLayoutId id="2147483656" r:id="rId8"/>
-    <p:sldLayoutId id="2147483657" r:id="rId9"/>
-    <p:sldLayoutId id="2147483658" r:id="rId10"/>
-    <p:sldLayoutId id="2147483659" r:id="rId11"/>
+    <p:sldLayoutId id="2147483661" r:id="rId1"/>
+    <p:sldLayoutId id="2147483662" r:id="rId2"/>
+    <p:sldLayoutId id="2147483663" r:id="rId3"/>
+    <p:sldLayoutId id="2147483664" r:id="rId4"/>
+    <p:sldLayoutId id="2147483665" r:id="rId5"/>
+    <p:sldLayoutId id="2147483666" r:id="rId6"/>
+    <p:sldLayoutId id="2147483667" r:id="rId7"/>
+    <p:sldLayoutId id="2147483668" r:id="rId8"/>
+    <p:sldLayoutId id="2147483669" r:id="rId9"/>
+    <p:sldLayoutId id="2147483670" r:id="rId10"/>
+    <p:sldLayoutId id="2147483671" r:id="rId11"/>
   </p:sldLayoutIdLst>
   <p:txStyles>
     <p:titleStyle>
-      <a:lvl1pPr algn="l" defTabSz="914400" rtl="0" eaLnBrk="1" latinLnBrk="0" hangingPunct="1">
+      <a:lvl1pPr algn="l" defTabSz="1219170" rtl="0" eaLnBrk="1" latinLnBrk="0" hangingPunct="1">
         <a:lnSpc>
           <a:spcPct val="90000"/>
         </a:lnSpc>
@@ -2674,7 +2677,7 @@
           <a:spcPct val="0"/>
         </a:spcBef>
         <a:buNone/>
-        <a:defRPr sz="4400" kern="1200">
+        <a:defRPr sz="5867" kern="1200">
           <a:solidFill>
             <a:schemeClr val="tx1"/>
           </a:solidFill>
@@ -2685,16 +2688,16 @@
       </a:lvl1pPr>
     </p:titleStyle>
     <p:bodyStyle>
-      <a:lvl1pPr marL="228600" indent="-228600" algn="l" defTabSz="914400" rtl="0" eaLnBrk="1" latinLnBrk="0" hangingPunct="1">
+      <a:lvl1pPr marL="304792" indent="-304792" algn="l" defTabSz="1219170" rtl="0" eaLnBrk="1" latinLnBrk="0" hangingPunct="1">
         <a:lnSpc>
           <a:spcPct val="90000"/>
         </a:lnSpc>
         <a:spcBef>
-          <a:spcPts val="1000"/>
+          <a:spcPts val="1333"/>
         </a:spcBef>
-        <a:buFont typeface="Arial"/>
+        <a:buFont typeface="Arial" panose="020B0604020202020204" pitchFamily="34" charset="0"/>
         <a:buChar char="•"/>
-        <a:defRPr sz="2800" kern="1200">
+        <a:defRPr sz="3733" kern="1200">
           <a:solidFill>
             <a:schemeClr val="tx1"/>
           </a:solidFill>
@@ -2703,14 +2706,50 @@
           <a:cs typeface="+mn-cs"/>
         </a:defRPr>
       </a:lvl1pPr>
-      <a:lvl2pPr marL="685800" indent="-228600" algn="l" defTabSz="914400" rtl="0" eaLnBrk="1" latinLnBrk="0" hangingPunct="1">
+      <a:lvl2pPr marL="914377" indent="-304792" algn="l" defTabSz="1219170" rtl="0" eaLnBrk="1" latinLnBrk="0" hangingPunct="1">
         <a:lnSpc>
           <a:spcPct val="90000"/>
         </a:lnSpc>
         <a:spcBef>
-          <a:spcPts val="500"/>
+          <a:spcPts val="667"/>
         </a:spcBef>
-        <a:buFont typeface="Arial"/>
+        <a:buFont typeface="Arial" panose="020B0604020202020204" pitchFamily="34" charset="0"/>
+        <a:buChar char="•"/>
+        <a:defRPr sz="3200" kern="1200">
+          <a:solidFill>
+            <a:schemeClr val="tx1"/>
+          </a:solidFill>
+          <a:latin typeface="+mn-lt"/>
+          <a:ea typeface="+mn-ea"/>
+          <a:cs typeface="+mn-cs"/>
+        </a:defRPr>
+      </a:lvl2pPr>
+      <a:lvl3pPr marL="1523962" indent="-304792" algn="l" defTabSz="1219170" rtl="0" eaLnBrk="1" latinLnBrk="0" hangingPunct="1">
+        <a:lnSpc>
+          <a:spcPct val="90000"/>
+        </a:lnSpc>
+        <a:spcBef>
+          <a:spcPts val="667"/>
+        </a:spcBef>
+        <a:buFont typeface="Arial" panose="020B0604020202020204" pitchFamily="34" charset="0"/>
+        <a:buChar char="•"/>
+        <a:defRPr sz="2667" kern="1200">
+          <a:solidFill>
+            <a:schemeClr val="tx1"/>
+          </a:solidFill>
+          <a:latin typeface="+mn-lt"/>
+          <a:ea typeface="+mn-ea"/>
+          <a:cs typeface="+mn-cs"/>
+        </a:defRPr>
+      </a:lvl3pPr>
+      <a:lvl4pPr marL="2133547" indent="-304792" algn="l" defTabSz="1219170" rtl="0" eaLnBrk="1" latinLnBrk="0" hangingPunct="1">
+        <a:lnSpc>
+          <a:spcPct val="90000"/>
+        </a:lnSpc>
+        <a:spcBef>
+          <a:spcPts val="667"/>
+        </a:spcBef>
+        <a:buFont typeface="Arial" panose="020B0604020202020204" pitchFamily="34" charset="0"/>
         <a:buChar char="•"/>
         <a:defRPr sz="2400" kern="1200">
           <a:solidFill>
@@ -2720,53 +2759,17 @@
           <a:ea typeface="+mn-ea"/>
           <a:cs typeface="+mn-cs"/>
         </a:defRPr>
-      </a:lvl2pPr>
-      <a:lvl3pPr marL="1143000" indent="-228600" algn="l" defTabSz="914400" rtl="0" eaLnBrk="1" latinLnBrk="0" hangingPunct="1">
+      </a:lvl4pPr>
+      <a:lvl5pPr marL="2743131" indent="-304792" algn="l" defTabSz="1219170" rtl="0" eaLnBrk="1" latinLnBrk="0" hangingPunct="1">
         <a:lnSpc>
           <a:spcPct val="90000"/>
         </a:lnSpc>
         <a:spcBef>
-          <a:spcPts val="500"/>
+          <a:spcPts val="667"/>
         </a:spcBef>
-        <a:buFont typeface="Arial"/>
+        <a:buFont typeface="Arial" panose="020B0604020202020204" pitchFamily="34" charset="0"/>
         <a:buChar char="•"/>
-        <a:defRPr sz="2000" kern="1200">
-          <a:solidFill>
-            <a:schemeClr val="tx1"/>
-          </a:solidFill>
-          <a:latin typeface="+mn-lt"/>
-          <a:ea typeface="+mn-ea"/>
-          <a:cs typeface="+mn-cs"/>
-        </a:defRPr>
-      </a:lvl3pPr>
-      <a:lvl4pPr marL="1600200" indent="-228600" algn="l" defTabSz="914400" rtl="0" eaLnBrk="1" latinLnBrk="0" hangingPunct="1">
-        <a:lnSpc>
-          <a:spcPct val="90000"/>
-        </a:lnSpc>
-        <a:spcBef>
-          <a:spcPts val="500"/>
-        </a:spcBef>
-        <a:buFont typeface="Arial"/>
-        <a:buChar char="•"/>
-        <a:defRPr sz="1800" kern="1200">
-          <a:solidFill>
-            <a:schemeClr val="tx1"/>
-          </a:solidFill>
-          <a:latin typeface="+mn-lt"/>
-          <a:ea typeface="+mn-ea"/>
-          <a:cs typeface="+mn-cs"/>
-        </a:defRPr>
-      </a:lvl4pPr>
-      <a:lvl5pPr marL="2057400" indent="-228600" algn="l" defTabSz="914400" rtl="0" eaLnBrk="1" latinLnBrk="0" hangingPunct="1">
-        <a:lnSpc>
-          <a:spcPct val="90000"/>
-        </a:lnSpc>
-        <a:spcBef>
-          <a:spcPts val="500"/>
-        </a:spcBef>
-        <a:buFont typeface="Arial"/>
-        <a:buChar char="•"/>
-        <a:defRPr sz="1800" kern="1200">
+        <a:defRPr sz="2400" kern="1200">
           <a:solidFill>
             <a:schemeClr val="tx1"/>
           </a:solidFill>
@@ -2775,16 +2778,16 @@
           <a:cs typeface="+mn-cs"/>
         </a:defRPr>
       </a:lvl5pPr>
-      <a:lvl6pPr marL="2514600" indent="-228600" algn="l" defTabSz="914400" rtl="0" eaLnBrk="1" latinLnBrk="0" hangingPunct="1">
+      <a:lvl6pPr marL="3352716" indent="-304792" algn="l" defTabSz="1219170" rtl="0" eaLnBrk="1" latinLnBrk="0" hangingPunct="1">
         <a:lnSpc>
           <a:spcPct val="90000"/>
         </a:lnSpc>
         <a:spcBef>
-          <a:spcPts val="500"/>
+          <a:spcPts val="667"/>
         </a:spcBef>
-        <a:buFont typeface="Arial"/>
+        <a:buFont typeface="Arial" panose="020B0604020202020204" pitchFamily="34" charset="0"/>
         <a:buChar char="•"/>
-        <a:defRPr sz="1800" kern="1200">
+        <a:defRPr sz="2400" kern="1200">
           <a:solidFill>
             <a:schemeClr val="tx1"/>
           </a:solidFill>
@@ -2793,16 +2796,16 @@
           <a:cs typeface="+mn-cs"/>
         </a:defRPr>
       </a:lvl6pPr>
-      <a:lvl7pPr marL="2971800" indent="-228600" algn="l" defTabSz="914400" rtl="0" eaLnBrk="1" latinLnBrk="0" hangingPunct="1">
+      <a:lvl7pPr marL="3962301" indent="-304792" algn="l" defTabSz="1219170" rtl="0" eaLnBrk="1" latinLnBrk="0" hangingPunct="1">
         <a:lnSpc>
           <a:spcPct val="90000"/>
         </a:lnSpc>
         <a:spcBef>
-          <a:spcPts val="500"/>
+          <a:spcPts val="667"/>
         </a:spcBef>
-        <a:buFont typeface="Arial"/>
+        <a:buFont typeface="Arial" panose="020B0604020202020204" pitchFamily="34" charset="0"/>
         <a:buChar char="•"/>
-        <a:defRPr sz="1800" kern="1200">
+        <a:defRPr sz="2400" kern="1200">
           <a:solidFill>
             <a:schemeClr val="tx1"/>
           </a:solidFill>
@@ -2811,16 +2814,16 @@
           <a:cs typeface="+mn-cs"/>
         </a:defRPr>
       </a:lvl7pPr>
-      <a:lvl8pPr marL="3429000" indent="-228600" algn="l" defTabSz="914400" rtl="0" eaLnBrk="1" latinLnBrk="0" hangingPunct="1">
+      <a:lvl8pPr marL="4571886" indent="-304792" algn="l" defTabSz="1219170" rtl="0" eaLnBrk="1" latinLnBrk="0" hangingPunct="1">
         <a:lnSpc>
           <a:spcPct val="90000"/>
         </a:lnSpc>
         <a:spcBef>
-          <a:spcPts val="500"/>
+          <a:spcPts val="667"/>
         </a:spcBef>
-        <a:buFont typeface="Arial"/>
+        <a:buFont typeface="Arial" panose="020B0604020202020204" pitchFamily="34" charset="0"/>
         <a:buChar char="•"/>
-        <a:defRPr sz="1800" kern="1200">
+        <a:defRPr sz="2400" kern="1200">
           <a:solidFill>
             <a:schemeClr val="tx1"/>
           </a:solidFill>
@@ -2829,16 +2832,16 @@
           <a:cs typeface="+mn-cs"/>
         </a:defRPr>
       </a:lvl8pPr>
-      <a:lvl9pPr marL="3886200" indent="-228600" algn="l" defTabSz="914400" rtl="0" eaLnBrk="1" latinLnBrk="0" hangingPunct="1">
+      <a:lvl9pPr marL="5181470" indent="-304792" algn="l" defTabSz="1219170" rtl="0" eaLnBrk="1" latinLnBrk="0" hangingPunct="1">
         <a:lnSpc>
           <a:spcPct val="90000"/>
         </a:lnSpc>
         <a:spcBef>
-          <a:spcPts val="500"/>
+          <a:spcPts val="667"/>
         </a:spcBef>
-        <a:buFont typeface="Arial"/>
+        <a:buFont typeface="Arial" panose="020B0604020202020204" pitchFamily="34" charset="0"/>
         <a:buChar char="•"/>
-        <a:defRPr sz="1800" kern="1200">
+        <a:defRPr sz="2400" kern="1200">
           <a:solidFill>
             <a:schemeClr val="tx1"/>
           </a:solidFill>
@@ -2852,8 +2855,8 @@
       <a:defPPr>
         <a:defRPr lang="en-US"/>
       </a:defPPr>
-      <a:lvl1pPr marL="0" algn="l" defTabSz="914400" rtl="0" eaLnBrk="1" latinLnBrk="0" hangingPunct="1">
-        <a:defRPr sz="1800" kern="1200">
+      <a:lvl1pPr marL="0" algn="l" defTabSz="1219170" rtl="0" eaLnBrk="1" latinLnBrk="0" hangingPunct="1">
+        <a:defRPr sz="2400" kern="1200">
           <a:solidFill>
             <a:schemeClr val="tx1"/>
           </a:solidFill>
@@ -2862,8 +2865,8 @@
           <a:cs typeface="+mn-cs"/>
         </a:defRPr>
       </a:lvl1pPr>
-      <a:lvl2pPr marL="457200" algn="l" defTabSz="914400" rtl="0" eaLnBrk="1" latinLnBrk="0" hangingPunct="1">
-        <a:defRPr sz="1800" kern="1200">
+      <a:lvl2pPr marL="609585" algn="l" defTabSz="1219170" rtl="0" eaLnBrk="1" latinLnBrk="0" hangingPunct="1">
+        <a:defRPr sz="2400" kern="1200">
           <a:solidFill>
             <a:schemeClr val="tx1"/>
           </a:solidFill>
@@ -2872,8 +2875,8 @@
           <a:cs typeface="+mn-cs"/>
         </a:defRPr>
       </a:lvl2pPr>
-      <a:lvl3pPr marL="914400" algn="l" defTabSz="914400" rtl="0" eaLnBrk="1" latinLnBrk="0" hangingPunct="1">
-        <a:defRPr sz="1800" kern="1200">
+      <a:lvl3pPr marL="1219170" algn="l" defTabSz="1219170" rtl="0" eaLnBrk="1" latinLnBrk="0" hangingPunct="1">
+        <a:defRPr sz="2400" kern="1200">
           <a:solidFill>
             <a:schemeClr val="tx1"/>
           </a:solidFill>
@@ -2882,8 +2885,8 @@
           <a:cs typeface="+mn-cs"/>
         </a:defRPr>
       </a:lvl3pPr>
-      <a:lvl4pPr marL="1371600" algn="l" defTabSz="914400" rtl="0" eaLnBrk="1" latinLnBrk="0" hangingPunct="1">
-        <a:defRPr sz="1800" kern="1200">
+      <a:lvl4pPr marL="1828754" algn="l" defTabSz="1219170" rtl="0" eaLnBrk="1" latinLnBrk="0" hangingPunct="1">
+        <a:defRPr sz="2400" kern="1200">
           <a:solidFill>
             <a:schemeClr val="tx1"/>
           </a:solidFill>
@@ -2892,8 +2895,8 @@
           <a:cs typeface="+mn-cs"/>
         </a:defRPr>
       </a:lvl4pPr>
-      <a:lvl5pPr marL="1828800" algn="l" defTabSz="914400" rtl="0" eaLnBrk="1" latinLnBrk="0" hangingPunct="1">
-        <a:defRPr sz="1800" kern="1200">
+      <a:lvl5pPr marL="2438339" algn="l" defTabSz="1219170" rtl="0" eaLnBrk="1" latinLnBrk="0" hangingPunct="1">
+        <a:defRPr sz="2400" kern="1200">
           <a:solidFill>
             <a:schemeClr val="tx1"/>
           </a:solidFill>
@@ -2902,8 +2905,8 @@
           <a:cs typeface="+mn-cs"/>
         </a:defRPr>
       </a:lvl5pPr>
-      <a:lvl6pPr marL="2286000" algn="l" defTabSz="914400" rtl="0" eaLnBrk="1" latinLnBrk="0" hangingPunct="1">
-        <a:defRPr sz="1800" kern="1200">
+      <a:lvl6pPr marL="3047924" algn="l" defTabSz="1219170" rtl="0" eaLnBrk="1" latinLnBrk="0" hangingPunct="1">
+        <a:defRPr sz="2400" kern="1200">
           <a:solidFill>
             <a:schemeClr val="tx1"/>
           </a:solidFill>
@@ -2912,8 +2915,8 @@
           <a:cs typeface="+mn-cs"/>
         </a:defRPr>
       </a:lvl6pPr>
-      <a:lvl7pPr marL="2743200" algn="l" defTabSz="914400" rtl="0" eaLnBrk="1" latinLnBrk="0" hangingPunct="1">
-        <a:defRPr sz="1800" kern="1200">
+      <a:lvl7pPr marL="3657509" algn="l" defTabSz="1219170" rtl="0" eaLnBrk="1" latinLnBrk="0" hangingPunct="1">
+        <a:defRPr sz="2400" kern="1200">
           <a:solidFill>
             <a:schemeClr val="tx1"/>
           </a:solidFill>
@@ -2922,8 +2925,8 @@
           <a:cs typeface="+mn-cs"/>
         </a:defRPr>
       </a:lvl7pPr>
-      <a:lvl8pPr marL="3200400" algn="l" defTabSz="914400" rtl="0" eaLnBrk="1" latinLnBrk="0" hangingPunct="1">
-        <a:defRPr sz="1800" kern="1200">
+      <a:lvl8pPr marL="4267093" algn="l" defTabSz="1219170" rtl="0" eaLnBrk="1" latinLnBrk="0" hangingPunct="1">
+        <a:defRPr sz="2400" kern="1200">
           <a:solidFill>
             <a:schemeClr val="tx1"/>
           </a:solidFill>
@@ -2932,8 +2935,8 @@
           <a:cs typeface="+mn-cs"/>
         </a:defRPr>
       </a:lvl8pPr>
-      <a:lvl9pPr marL="3657600" algn="l" defTabSz="914400" rtl="0" eaLnBrk="1" latinLnBrk="0" hangingPunct="1">
-        <a:defRPr sz="1800" kern="1200">
+      <a:lvl9pPr marL="4876678" algn="l" defTabSz="1219170" rtl="0" eaLnBrk="1" latinLnBrk="0" hangingPunct="1">
+        <a:defRPr sz="2400" kern="1200">
           <a:solidFill>
             <a:schemeClr val="tx1"/>
           </a:solidFill>
@@ -2972,7 +2975,7 @@
         </p:nvSpPr>
         <p:spPr>
           <a:xfrm>
-            <a:off x="5764582" y="1716685"/>
+            <a:off x="4864456" y="2988273"/>
             <a:ext cx="1479176" cy="774551"/>
           </a:xfrm>
           <a:prstGeom prst="rect">
@@ -3008,15 +3011,19 @@
           </a:fontRef>
         </p:style>
         <p:txBody>
-          <a:bodyPr rtlCol="0" anchor="ctr"/>
+          <a:bodyPr rot="0" spcFirstLastPara="0" vertOverflow="overflow" horzOverflow="overflow" vert="horz" wrap="square" lIns="91440" tIns="45720" rIns="91440" bIns="45720" numCol="1" spcCol="0" rtlCol="0" fromWordArt="0" anchor="ctr" anchorCtr="0" forceAA="0" compatLnSpc="1">
+            <a:prstTxWarp prst="textNoShape">
+              <a:avLst/>
+            </a:prstTxWarp>
+            <a:noAutofit/>
+          </a:bodyPr>
           <a:lstStyle/>
           <a:p>
             <a:pPr algn="ctr"/>
             <a:r>
-              <a:rPr lang="en-US" dirty="0" smtClean="0"/>
+              <a:rPr lang="en-US" dirty="0"/>
               <a:t>Transmission Route</a:t>
             </a:r>
-            <a:endParaRPr lang="en-US" dirty="0"/>
           </a:p>
         </p:txBody>
       </p:sp>
@@ -3028,7 +3035,7 @@
         </p:nvSpPr>
         <p:spPr>
           <a:xfrm>
-            <a:off x="4120963" y="1716685"/>
+            <a:off x="3220838" y="2988273"/>
             <a:ext cx="1065399" cy="774551"/>
           </a:xfrm>
           <a:prstGeom prst="rect">
@@ -3064,15 +3071,19 @@
           </a:fontRef>
         </p:style>
         <p:txBody>
-          <a:bodyPr rtlCol="0" anchor="ctr"/>
+          <a:bodyPr rot="0" spcFirstLastPara="0" vertOverflow="overflow" horzOverflow="overflow" vert="horz" wrap="square" lIns="91440" tIns="45720" rIns="91440" bIns="45720" numCol="1" spcCol="0" rtlCol="0" fromWordArt="0" anchor="ctr" anchorCtr="0" forceAA="0" compatLnSpc="1">
+            <a:prstTxWarp prst="textNoShape">
+              <a:avLst/>
+            </a:prstTxWarp>
+            <a:noAutofit/>
+          </a:bodyPr>
           <a:lstStyle/>
           <a:p>
             <a:pPr algn="ctr"/>
             <a:r>
-              <a:rPr lang="en-US" dirty="0" smtClean="0"/>
+              <a:rPr lang="en-US" dirty="0"/>
               <a:t>Spillover</a:t>
             </a:r>
-            <a:endParaRPr lang="en-US" dirty="0"/>
           </a:p>
         </p:txBody>
       </p:sp>
@@ -3084,7 +3095,7 @@
         </p:nvSpPr>
         <p:spPr>
           <a:xfrm>
-            <a:off x="2077289" y="1716684"/>
+            <a:off x="1177163" y="2988272"/>
             <a:ext cx="1479176" cy="774551"/>
           </a:xfrm>
           <a:prstGeom prst="rect">
@@ -3120,15 +3131,19 @@
           </a:fontRef>
         </p:style>
         <p:txBody>
-          <a:bodyPr rtlCol="0" anchor="ctr"/>
+          <a:bodyPr rot="0" spcFirstLastPara="0" vertOverflow="overflow" horzOverflow="overflow" vert="horz" wrap="square" lIns="91440" tIns="45720" rIns="91440" bIns="45720" numCol="1" spcCol="0" rtlCol="0" fromWordArt="0" anchor="ctr" anchorCtr="0" forceAA="0" compatLnSpc="1">
+            <a:prstTxWarp prst="textNoShape">
+              <a:avLst/>
+            </a:prstTxWarp>
+            <a:noAutofit/>
+          </a:bodyPr>
           <a:lstStyle/>
           <a:p>
             <a:pPr algn="ctr"/>
             <a:r>
-              <a:rPr lang="en-US" dirty="0" smtClean="0"/>
+              <a:rPr lang="en-US" dirty="0"/>
               <a:t>Source Population</a:t>
             </a:r>
-            <a:endParaRPr lang="en-US" dirty="0"/>
           </a:p>
         </p:txBody>
       </p:sp>
@@ -3140,7 +3155,7 @@
         </p:nvSpPr>
         <p:spPr>
           <a:xfrm>
-            <a:off x="7808256" y="1716684"/>
+            <a:off x="6908130" y="2988272"/>
             <a:ext cx="1479176" cy="774551"/>
           </a:xfrm>
           <a:prstGeom prst="rect">
@@ -3176,15 +3191,19 @@
           </a:fontRef>
         </p:style>
         <p:txBody>
-          <a:bodyPr rtlCol="0" anchor="ctr"/>
+          <a:bodyPr rot="0" spcFirstLastPara="0" vertOverflow="overflow" horzOverflow="overflow" vert="horz" wrap="square" lIns="91440" tIns="45720" rIns="91440" bIns="45720" numCol="1" spcCol="0" rtlCol="0" fromWordArt="0" anchor="ctr" anchorCtr="0" forceAA="0" compatLnSpc="1">
+            <a:prstTxWarp prst="textNoShape">
+              <a:avLst/>
+            </a:prstTxWarp>
+            <a:noAutofit/>
+          </a:bodyPr>
           <a:lstStyle/>
           <a:p>
             <a:pPr algn="ctr"/>
             <a:r>
-              <a:rPr lang="en-US" dirty="0" smtClean="0"/>
+              <a:rPr lang="en-US" dirty="0"/>
               <a:t>Naïve Population</a:t>
             </a:r>
-            <a:endParaRPr lang="en-US" dirty="0"/>
           </a:p>
         </p:txBody>
       </p:sp>
@@ -3196,7 +3215,7 @@
         </p:nvSpPr>
         <p:spPr>
           <a:xfrm>
-            <a:off x="5764582" y="3097810"/>
+            <a:off x="4864456" y="4369398"/>
             <a:ext cx="1479176" cy="774551"/>
           </a:xfrm>
           <a:prstGeom prst="rect">
@@ -3232,15 +3251,19 @@
           </a:fontRef>
         </p:style>
         <p:txBody>
-          <a:bodyPr rtlCol="0" anchor="ctr"/>
+          <a:bodyPr rot="0" spcFirstLastPara="0" vertOverflow="overflow" horzOverflow="overflow" vert="horz" wrap="square" lIns="91440" tIns="45720" rIns="91440" bIns="45720" numCol="1" spcCol="0" rtlCol="0" fromWordArt="0" anchor="ctr" anchorCtr="0" forceAA="0" compatLnSpc="1">
+            <a:prstTxWarp prst="textNoShape">
+              <a:avLst/>
+            </a:prstTxWarp>
+            <a:noAutofit/>
+          </a:bodyPr>
           <a:lstStyle/>
           <a:p>
             <a:pPr algn="ctr"/>
             <a:r>
-              <a:rPr lang="en-US" dirty="0" smtClean="0"/>
+              <a:rPr lang="en-US" dirty="0"/>
               <a:t>Biodiversity</a:t>
             </a:r>
-            <a:endParaRPr lang="en-US" dirty="0"/>
           </a:p>
         </p:txBody>
       </p:sp>
@@ -3252,7 +3275,7 @@
         </p:nvSpPr>
         <p:spPr>
           <a:xfrm>
-            <a:off x="7808256" y="4478934"/>
+            <a:off x="6908130" y="5750522"/>
             <a:ext cx="1479176" cy="774551"/>
           </a:xfrm>
           <a:prstGeom prst="rect">
@@ -3288,15 +3311,19 @@
           </a:fontRef>
         </p:style>
         <p:txBody>
-          <a:bodyPr rtlCol="0" anchor="ctr"/>
+          <a:bodyPr rot="0" spcFirstLastPara="0" vertOverflow="overflow" horzOverflow="overflow" vert="horz" wrap="square" lIns="91440" tIns="45720" rIns="91440" bIns="45720" numCol="1" spcCol="0" rtlCol="0" fromWordArt="0" anchor="ctr" anchorCtr="0" forceAA="0" compatLnSpc="1">
+            <a:prstTxWarp prst="textNoShape">
+              <a:avLst/>
+            </a:prstTxWarp>
+            <a:noAutofit/>
+          </a:bodyPr>
           <a:lstStyle/>
           <a:p>
             <a:pPr algn="ctr"/>
             <a:r>
-              <a:rPr lang="en-US" dirty="0" smtClean="0"/>
+              <a:rPr lang="en-US" dirty="0"/>
               <a:t>Temporal Variation</a:t>
             </a:r>
-            <a:endParaRPr lang="en-US" dirty="0"/>
           </a:p>
         </p:txBody>
       </p:sp>
@@ -3308,7 +3335,7 @@
         </p:nvSpPr>
         <p:spPr>
           <a:xfrm>
-            <a:off x="7808256" y="3097809"/>
+            <a:off x="6908130" y="4369397"/>
             <a:ext cx="1479176" cy="774551"/>
           </a:xfrm>
           <a:prstGeom prst="rect">
@@ -3344,15 +3371,19 @@
           </a:fontRef>
         </p:style>
         <p:txBody>
-          <a:bodyPr rtlCol="0" anchor="ctr"/>
+          <a:bodyPr rot="0" spcFirstLastPara="0" vertOverflow="overflow" horzOverflow="overflow" vert="horz" wrap="square" lIns="91440" tIns="45720" rIns="91440" bIns="45720" numCol="1" spcCol="0" rtlCol="0" fromWordArt="0" anchor="ctr" anchorCtr="0" forceAA="0" compatLnSpc="1">
+            <a:prstTxWarp prst="textNoShape">
+              <a:avLst/>
+            </a:prstTxWarp>
+            <a:noAutofit/>
+          </a:bodyPr>
           <a:lstStyle/>
           <a:p>
             <a:pPr algn="ctr"/>
             <a:r>
-              <a:rPr lang="en-US" dirty="0" smtClean="0"/>
+              <a:rPr lang="en-US" dirty="0"/>
               <a:t>Co-infection</a:t>
             </a:r>
-            <a:endParaRPr lang="en-US" dirty="0"/>
           </a:p>
         </p:txBody>
       </p:sp>
@@ -3364,7 +3395,7 @@
         </p:nvSpPr>
         <p:spPr>
           <a:xfrm>
-            <a:off x="2077289" y="4478934"/>
+            <a:off x="1177163" y="5750522"/>
             <a:ext cx="1479176" cy="774551"/>
           </a:xfrm>
           <a:prstGeom prst="rect">
@@ -3400,15 +3431,19 @@
           </a:fontRef>
         </p:style>
         <p:txBody>
-          <a:bodyPr rtlCol="0" anchor="ctr"/>
+          <a:bodyPr rot="0" spcFirstLastPara="0" vertOverflow="overflow" horzOverflow="overflow" vert="horz" wrap="square" lIns="91440" tIns="45720" rIns="91440" bIns="45720" numCol="1" spcCol="0" rtlCol="0" fromWordArt="0" anchor="ctr" anchorCtr="0" forceAA="0" compatLnSpc="1">
+            <a:prstTxWarp prst="textNoShape">
+              <a:avLst/>
+            </a:prstTxWarp>
+            <a:noAutofit/>
+          </a:bodyPr>
           <a:lstStyle/>
           <a:p>
             <a:pPr algn="ctr"/>
             <a:r>
-              <a:rPr lang="en-US" dirty="0" smtClean="0"/>
+              <a:rPr lang="en-US" dirty="0"/>
               <a:t>Temporal Variation</a:t>
             </a:r>
-            <a:endParaRPr lang="en-US" dirty="0"/>
           </a:p>
         </p:txBody>
       </p:sp>
@@ -3420,7 +3455,7 @@
         </p:nvSpPr>
         <p:spPr>
           <a:xfrm>
-            <a:off x="2077289" y="3097809"/>
+            <a:off x="1177163" y="4369397"/>
             <a:ext cx="1479176" cy="774551"/>
           </a:xfrm>
           <a:prstGeom prst="rect">
@@ -3456,15 +3491,19 @@
           </a:fontRef>
         </p:style>
         <p:txBody>
-          <a:bodyPr rtlCol="0" anchor="ctr"/>
+          <a:bodyPr rot="0" spcFirstLastPara="0" vertOverflow="overflow" horzOverflow="overflow" vert="horz" wrap="square" lIns="91440" tIns="45720" rIns="91440" bIns="45720" numCol="1" spcCol="0" rtlCol="0" fromWordArt="0" anchor="ctr" anchorCtr="0" forceAA="0" compatLnSpc="1">
+            <a:prstTxWarp prst="textNoShape">
+              <a:avLst/>
+            </a:prstTxWarp>
+            <a:noAutofit/>
+          </a:bodyPr>
           <a:lstStyle/>
           <a:p>
             <a:pPr algn="ctr"/>
             <a:r>
-              <a:rPr lang="en-US" dirty="0" smtClean="0"/>
+              <a:rPr lang="en-US" dirty="0"/>
               <a:t>Co-infection</a:t>
             </a:r>
-            <a:endParaRPr lang="en-US" dirty="0"/>
           </a:p>
         </p:txBody>
       </p:sp>
@@ -3476,7 +3515,7 @@
         </p:nvCxnSpPr>
         <p:spPr>
           <a:xfrm>
-            <a:off x="2816877" y="3872360"/>
+            <a:off x="1916751" y="5143947"/>
             <a:ext cx="0" cy="606574"/>
           </a:xfrm>
           <a:prstGeom prst="straightConnector1">
@@ -3513,7 +3552,7 @@
         </p:nvCxnSpPr>
         <p:spPr>
           <a:xfrm>
-            <a:off x="8527109" y="3872360"/>
+            <a:off x="7626983" y="5143947"/>
             <a:ext cx="0" cy="606574"/>
           </a:xfrm>
           <a:prstGeom prst="straightConnector1">
@@ -3553,7 +3592,7 @@
         </p:nvCxnSpPr>
         <p:spPr>
           <a:xfrm flipV="1">
-            <a:off x="6504170" y="2491236"/>
+            <a:off x="5604044" y="3762823"/>
             <a:ext cx="0" cy="606574"/>
           </a:xfrm>
           <a:prstGeom prst="straightConnector1">
@@ -3592,7 +3631,7 @@
         </p:nvCxnSpPr>
         <p:spPr>
           <a:xfrm>
-            <a:off x="3556465" y="2103960"/>
+            <a:off x="2656339" y="3375548"/>
             <a:ext cx="564498" cy="1"/>
           </a:xfrm>
           <a:prstGeom prst="straightConnector1">
@@ -3629,7 +3668,7 @@
         </p:nvCxnSpPr>
         <p:spPr>
           <a:xfrm>
-            <a:off x="7243758" y="2129842"/>
+            <a:off x="6343632" y="3401430"/>
             <a:ext cx="564498" cy="1"/>
           </a:xfrm>
           <a:prstGeom prst="straightConnector1">
@@ -3666,7 +3705,7 @@
         </p:nvCxnSpPr>
         <p:spPr>
           <a:xfrm flipV="1">
-            <a:off x="8527109" y="2491235"/>
+            <a:off x="7626983" y="3762822"/>
             <a:ext cx="0" cy="606574"/>
           </a:xfrm>
           <a:prstGeom prst="straightConnector1">
@@ -3702,7 +3741,7 @@
         </p:nvCxnSpPr>
         <p:spPr>
           <a:xfrm flipV="1">
-            <a:off x="2816877" y="2491235"/>
+            <a:off x="1916751" y="3762822"/>
             <a:ext cx="0" cy="606574"/>
           </a:xfrm>
           <a:prstGeom prst="straightConnector1">
@@ -3738,8 +3777,204 @@
         </p:nvCxnSpPr>
         <p:spPr>
           <a:xfrm>
-            <a:off x="5200084" y="2129842"/>
+            <a:off x="4299958" y="3401429"/>
             <a:ext cx="550776" cy="0"/>
+          </a:xfrm>
+          <a:prstGeom prst="straightConnector1">
+            <a:avLst/>
+          </a:prstGeom>
+          <a:ln w="57150">
+            <a:solidFill>
+              <a:schemeClr val="tx1"/>
+            </a:solidFill>
+            <a:tailEnd type="triangle"/>
+          </a:ln>
+        </p:spPr>
+        <p:style>
+          <a:lnRef idx="1">
+            <a:schemeClr val="accent1"/>
+          </a:lnRef>
+          <a:fillRef idx="0">
+            <a:schemeClr val="accent1"/>
+          </a:fillRef>
+          <a:effectRef idx="0">
+            <a:schemeClr val="accent1"/>
+          </a:effectRef>
+          <a:fontRef idx="minor">
+            <a:schemeClr val="tx1"/>
+          </a:fontRef>
+        </p:style>
+      </p:cxnSp>
+      <p:sp>
+        <p:nvSpPr>
+          <p:cNvPr id="36" name="Rectangle 35"/>
+          <p:cNvSpPr/>
+          <p:nvPr/>
+        </p:nvSpPr>
+        <p:spPr>
+          <a:xfrm>
+            <a:off x="8793230" y="4369397"/>
+            <a:ext cx="1237695" cy="774551"/>
+          </a:xfrm>
+          <a:prstGeom prst="rect">
+            <a:avLst/>
+          </a:prstGeom>
+          <a:solidFill>
+            <a:schemeClr val="accent6">
+              <a:lumMod val="75000"/>
+            </a:schemeClr>
+          </a:solidFill>
+          <a:ln>
+            <a:solidFill>
+              <a:schemeClr val="accent6">
+                <a:lumMod val="75000"/>
+              </a:schemeClr>
+            </a:solidFill>
+          </a:ln>
+        </p:spPr>
+        <p:style>
+          <a:lnRef idx="2">
+            <a:schemeClr val="accent1">
+              <a:shade val="50000"/>
+            </a:schemeClr>
+          </a:lnRef>
+          <a:fillRef idx="1">
+            <a:schemeClr val="accent1"/>
+          </a:fillRef>
+          <a:effectRef idx="0">
+            <a:schemeClr val="accent1"/>
+          </a:effectRef>
+          <a:fontRef idx="minor">
+            <a:schemeClr val="lt1"/>
+          </a:fontRef>
+        </p:style>
+        <p:txBody>
+          <a:bodyPr rot="0" spcFirstLastPara="0" vertOverflow="overflow" horzOverflow="overflow" vert="horz" wrap="square" lIns="91440" tIns="45720" rIns="91440" bIns="45720" numCol="1" spcCol="0" rtlCol="0" fromWordArt="0" anchor="ctr" anchorCtr="0" forceAA="0" compatLnSpc="1">
+            <a:prstTxWarp prst="textNoShape">
+              <a:avLst/>
+            </a:prstTxWarp>
+            <a:noAutofit/>
+          </a:bodyPr>
+          <a:lstStyle/>
+          <a:p>
+            <a:pPr algn="ctr"/>
+            <a:r>
+              <a:rPr lang="en-US" dirty="0"/>
+              <a:t>Synergism</a:t>
+            </a:r>
+          </a:p>
+        </p:txBody>
+      </p:sp>
+      <p:sp>
+        <p:nvSpPr>
+          <p:cNvPr id="37" name="Rectangle 36"/>
+          <p:cNvSpPr/>
+          <p:nvPr/>
+        </p:nvSpPr>
+        <p:spPr>
+          <a:xfrm>
+            <a:off x="2992366" y="4369397"/>
+            <a:ext cx="1237695" cy="774551"/>
+          </a:xfrm>
+          <a:prstGeom prst="rect">
+            <a:avLst/>
+          </a:prstGeom>
+          <a:solidFill>
+            <a:schemeClr val="accent6">
+              <a:lumMod val="75000"/>
+            </a:schemeClr>
+          </a:solidFill>
+          <a:ln>
+            <a:solidFill>
+              <a:schemeClr val="accent6">
+                <a:lumMod val="75000"/>
+              </a:schemeClr>
+            </a:solidFill>
+          </a:ln>
+        </p:spPr>
+        <p:style>
+          <a:lnRef idx="2">
+            <a:schemeClr val="accent1">
+              <a:shade val="50000"/>
+            </a:schemeClr>
+          </a:lnRef>
+          <a:fillRef idx="1">
+            <a:schemeClr val="accent1"/>
+          </a:fillRef>
+          <a:effectRef idx="0">
+            <a:schemeClr val="accent1"/>
+          </a:effectRef>
+          <a:fontRef idx="minor">
+            <a:schemeClr val="lt1"/>
+          </a:fontRef>
+        </p:style>
+        <p:txBody>
+          <a:bodyPr rot="0" spcFirstLastPara="0" vertOverflow="overflow" horzOverflow="overflow" vert="horz" wrap="square" lIns="91440" tIns="45720" rIns="91440" bIns="45720" numCol="1" spcCol="0" rtlCol="0" fromWordArt="0" anchor="ctr" anchorCtr="0" forceAA="0" compatLnSpc="1">
+            <a:prstTxWarp prst="textNoShape">
+              <a:avLst/>
+            </a:prstTxWarp>
+            <a:noAutofit/>
+          </a:bodyPr>
+          <a:lstStyle/>
+          <a:p>
+            <a:pPr algn="ctr"/>
+            <a:r>
+              <a:rPr lang="en-US" dirty="0"/>
+              <a:t>Synergism</a:t>
+            </a:r>
+          </a:p>
+        </p:txBody>
+      </p:sp>
+      <p:cxnSp>
+        <p:nvCxnSpPr>
+          <p:cNvPr id="38" name="Straight Arrow Connector 37"/>
+          <p:cNvCxnSpPr>
+            <a:stCxn id="37" idx="1"/>
+          </p:cNvCxnSpPr>
+          <p:nvPr/>
+        </p:nvCxnSpPr>
+        <p:spPr>
+          <a:xfrm flipH="1" flipV="1">
+            <a:off x="2675659" y="4756672"/>
+            <a:ext cx="316707" cy="1"/>
+          </a:xfrm>
+          <a:prstGeom prst="straightConnector1">
+            <a:avLst/>
+          </a:prstGeom>
+          <a:ln w="57150">
+            <a:solidFill>
+              <a:schemeClr val="tx1"/>
+            </a:solidFill>
+            <a:tailEnd type="triangle"/>
+          </a:ln>
+        </p:spPr>
+        <p:style>
+          <a:lnRef idx="1">
+            <a:schemeClr val="accent1"/>
+          </a:lnRef>
+          <a:fillRef idx="0">
+            <a:schemeClr val="accent1"/>
+          </a:fillRef>
+          <a:effectRef idx="0">
+            <a:schemeClr val="accent1"/>
+          </a:effectRef>
+          <a:fontRef idx="minor">
+            <a:schemeClr val="tx1"/>
+          </a:fontRef>
+        </p:style>
+      </p:cxnSp>
+      <p:cxnSp>
+        <p:nvCxnSpPr>
+          <p:cNvPr id="42" name="Straight Arrow Connector 41"/>
+          <p:cNvCxnSpPr>
+            <a:endCxn id="11" idx="3"/>
+          </p:cNvCxnSpPr>
+          <p:nvPr/>
+        </p:nvCxnSpPr>
+        <p:spPr>
+          <a:xfrm flipH="1" flipV="1">
+            <a:off x="8387306" y="4756673"/>
+            <a:ext cx="405924" cy="1"/>
           </a:xfrm>
           <a:prstGeom prst="straightConnector1">
             <a:avLst/>
@@ -3779,10 +4014,1980 @@
 </p:sld>
 </file>
 
+<file path=ppt/slides/slide2.xml><?xml version="1.0" encoding="utf-8"?>
+<p:sld xmlns:a="http://schemas.openxmlformats.org/drawingml/2006/main" xmlns:r="http://schemas.openxmlformats.org/officeDocument/2006/relationships" xmlns:p="http://schemas.openxmlformats.org/presentationml/2006/main">
+  <p:cSld>
+    <p:spTree>
+      <p:nvGrpSpPr>
+        <p:cNvPr id="1" name=""/>
+        <p:cNvGrpSpPr/>
+        <p:nvPr/>
+      </p:nvGrpSpPr>
+      <p:grpSpPr>
+        <a:xfrm>
+          <a:off x="0" y="0"/>
+          <a:ext cx="0" cy="0"/>
+          <a:chOff x="0" y="0"/>
+          <a:chExt cx="0" cy="0"/>
+        </a:xfrm>
+      </p:grpSpPr>
+      <p:sp>
+        <p:nvSpPr>
+          <p:cNvPr id="4" name="Frame 3"/>
+          <p:cNvSpPr/>
+          <p:nvPr/>
+        </p:nvSpPr>
+        <p:spPr>
+          <a:xfrm>
+            <a:off x="1285898" y="3014669"/>
+            <a:ext cx="1514466" cy="1504956"/>
+          </a:xfrm>
+          <a:prstGeom prst="frame">
+            <a:avLst>
+              <a:gd name="adj1" fmla="val 5058"/>
+            </a:avLst>
+          </a:prstGeom>
+          <a:solidFill>
+            <a:schemeClr val="tx1"/>
+          </a:solidFill>
+          <a:ln>
+            <a:solidFill>
+              <a:schemeClr val="tx1"/>
+            </a:solidFill>
+          </a:ln>
+        </p:spPr>
+        <p:style>
+          <a:lnRef idx="2">
+            <a:schemeClr val="accent1">
+              <a:shade val="50000"/>
+            </a:schemeClr>
+          </a:lnRef>
+          <a:fillRef idx="1">
+            <a:schemeClr val="accent1"/>
+          </a:fillRef>
+          <a:effectRef idx="0">
+            <a:schemeClr val="accent1"/>
+          </a:effectRef>
+          <a:fontRef idx="minor">
+            <a:schemeClr val="lt1"/>
+          </a:fontRef>
+        </p:style>
+        <p:txBody>
+          <a:bodyPr rot="0" spcFirstLastPara="0" vertOverflow="overflow" horzOverflow="overflow" vert="horz" wrap="square" lIns="91440" tIns="45720" rIns="91440" bIns="45720" numCol="1" spcCol="0" rtlCol="0" fromWordArt="0" anchor="ctr" anchorCtr="0" forceAA="0" compatLnSpc="1">
+            <a:prstTxWarp prst="textNoShape">
+              <a:avLst/>
+            </a:prstTxWarp>
+            <a:noAutofit/>
+          </a:bodyPr>
+          <a:lstStyle/>
+          <a:p>
+            <a:pPr algn="ctr"/>
+            <a:endParaRPr lang="en-US">
+              <a:solidFill>
+                <a:schemeClr val="tx1"/>
+              </a:solidFill>
+            </a:endParaRPr>
+          </a:p>
+        </p:txBody>
+      </p:sp>
+      <p:sp>
+        <p:nvSpPr>
+          <p:cNvPr id="5" name="Frame 4"/>
+          <p:cNvSpPr/>
+          <p:nvPr/>
+        </p:nvSpPr>
+        <p:spPr>
+          <a:xfrm>
+            <a:off x="2728923" y="3014669"/>
+            <a:ext cx="1514466" cy="1504956"/>
+          </a:xfrm>
+          <a:prstGeom prst="frame">
+            <a:avLst>
+              <a:gd name="adj1" fmla="val 5058"/>
+            </a:avLst>
+          </a:prstGeom>
+          <a:solidFill>
+            <a:schemeClr val="tx1"/>
+          </a:solidFill>
+          <a:ln>
+            <a:solidFill>
+              <a:schemeClr val="tx1"/>
+            </a:solidFill>
+          </a:ln>
+        </p:spPr>
+        <p:style>
+          <a:lnRef idx="2">
+            <a:schemeClr val="accent1">
+              <a:shade val="50000"/>
+            </a:schemeClr>
+          </a:lnRef>
+          <a:fillRef idx="1">
+            <a:schemeClr val="accent1"/>
+          </a:fillRef>
+          <a:effectRef idx="0">
+            <a:schemeClr val="accent1"/>
+          </a:effectRef>
+          <a:fontRef idx="minor">
+            <a:schemeClr val="lt1"/>
+          </a:fontRef>
+        </p:style>
+        <p:txBody>
+          <a:bodyPr rot="0" spcFirstLastPara="0" vertOverflow="overflow" horzOverflow="overflow" vert="horz" wrap="square" lIns="91440" tIns="45720" rIns="91440" bIns="45720" numCol="1" spcCol="0" rtlCol="0" fromWordArt="0" anchor="ctr" anchorCtr="0" forceAA="0" compatLnSpc="1">
+            <a:prstTxWarp prst="textNoShape">
+              <a:avLst/>
+            </a:prstTxWarp>
+            <a:noAutofit/>
+          </a:bodyPr>
+          <a:lstStyle/>
+          <a:p>
+            <a:pPr algn="ctr"/>
+            <a:endParaRPr lang="en-US">
+              <a:solidFill>
+                <a:schemeClr val="tx1"/>
+              </a:solidFill>
+            </a:endParaRPr>
+          </a:p>
+        </p:txBody>
+      </p:sp>
+      <p:sp>
+        <p:nvSpPr>
+          <p:cNvPr id="6" name="Frame 5"/>
+          <p:cNvSpPr/>
+          <p:nvPr/>
+        </p:nvSpPr>
+        <p:spPr>
+          <a:xfrm>
+            <a:off x="2728922" y="4438644"/>
+            <a:ext cx="1514466" cy="1504956"/>
+          </a:xfrm>
+          <a:prstGeom prst="frame">
+            <a:avLst>
+              <a:gd name="adj1" fmla="val 5058"/>
+            </a:avLst>
+          </a:prstGeom>
+          <a:solidFill>
+            <a:schemeClr val="tx1"/>
+          </a:solidFill>
+          <a:ln>
+            <a:solidFill>
+              <a:schemeClr val="tx1"/>
+            </a:solidFill>
+          </a:ln>
+        </p:spPr>
+        <p:style>
+          <a:lnRef idx="2">
+            <a:schemeClr val="accent1">
+              <a:shade val="50000"/>
+            </a:schemeClr>
+          </a:lnRef>
+          <a:fillRef idx="1">
+            <a:schemeClr val="accent1"/>
+          </a:fillRef>
+          <a:effectRef idx="0">
+            <a:schemeClr val="accent1"/>
+          </a:effectRef>
+          <a:fontRef idx="minor">
+            <a:schemeClr val="lt1"/>
+          </a:fontRef>
+        </p:style>
+        <p:txBody>
+          <a:bodyPr rot="0" spcFirstLastPara="0" vertOverflow="overflow" horzOverflow="overflow" vert="horz" wrap="square" lIns="91440" tIns="45720" rIns="91440" bIns="45720" numCol="1" spcCol="0" rtlCol="0" fromWordArt="0" anchor="ctr" anchorCtr="0" forceAA="0" compatLnSpc="1">
+            <a:prstTxWarp prst="textNoShape">
+              <a:avLst/>
+            </a:prstTxWarp>
+            <a:noAutofit/>
+          </a:bodyPr>
+          <a:lstStyle/>
+          <a:p>
+            <a:pPr algn="ctr"/>
+            <a:endParaRPr lang="en-US">
+              <a:solidFill>
+                <a:schemeClr val="tx1"/>
+              </a:solidFill>
+            </a:endParaRPr>
+          </a:p>
+        </p:txBody>
+      </p:sp>
+      <p:sp>
+        <p:nvSpPr>
+          <p:cNvPr id="7" name="Frame 6"/>
+          <p:cNvSpPr/>
+          <p:nvPr/>
+        </p:nvSpPr>
+        <p:spPr>
+          <a:xfrm>
+            <a:off x="1285898" y="4438644"/>
+            <a:ext cx="1514466" cy="1504956"/>
+          </a:xfrm>
+          <a:prstGeom prst="frame">
+            <a:avLst>
+              <a:gd name="adj1" fmla="val 5058"/>
+            </a:avLst>
+          </a:prstGeom>
+          <a:solidFill>
+            <a:schemeClr val="tx1"/>
+          </a:solidFill>
+          <a:ln>
+            <a:solidFill>
+              <a:schemeClr val="tx1"/>
+            </a:solidFill>
+          </a:ln>
+        </p:spPr>
+        <p:style>
+          <a:lnRef idx="2">
+            <a:schemeClr val="accent1">
+              <a:shade val="50000"/>
+            </a:schemeClr>
+          </a:lnRef>
+          <a:fillRef idx="1">
+            <a:schemeClr val="accent1"/>
+          </a:fillRef>
+          <a:effectRef idx="0">
+            <a:schemeClr val="accent1"/>
+          </a:effectRef>
+          <a:fontRef idx="minor">
+            <a:schemeClr val="lt1"/>
+          </a:fontRef>
+        </p:style>
+        <p:txBody>
+          <a:bodyPr rot="0" spcFirstLastPara="0" vertOverflow="overflow" horzOverflow="overflow" vert="horz" wrap="square" lIns="91440" tIns="45720" rIns="91440" bIns="45720" numCol="1" spcCol="0" rtlCol="0" fromWordArt="0" anchor="ctr" anchorCtr="0" forceAA="0" compatLnSpc="1">
+            <a:prstTxWarp prst="textNoShape">
+              <a:avLst/>
+            </a:prstTxWarp>
+            <a:noAutofit/>
+          </a:bodyPr>
+          <a:lstStyle/>
+          <a:p>
+            <a:pPr algn="ctr"/>
+            <a:endParaRPr lang="en-US">
+              <a:solidFill>
+                <a:schemeClr val="tx1"/>
+              </a:solidFill>
+            </a:endParaRPr>
+          </a:p>
+        </p:txBody>
+      </p:sp>
+      <p:cxnSp>
+        <p:nvCxnSpPr>
+          <p:cNvPr id="9" name="Straight Connector 8"/>
+          <p:cNvCxnSpPr/>
+          <p:nvPr/>
+        </p:nvCxnSpPr>
+        <p:spPr>
+          <a:xfrm flipV="1">
+            <a:off x="2728922" y="4438645"/>
+            <a:ext cx="1514466" cy="1504955"/>
+          </a:xfrm>
+          <a:prstGeom prst="line">
+            <a:avLst/>
+          </a:prstGeom>
+          <a:ln w="50800">
+            <a:solidFill>
+              <a:schemeClr val="tx1"/>
+            </a:solidFill>
+            <a:prstDash val="dash"/>
+          </a:ln>
+        </p:spPr>
+        <p:style>
+          <a:lnRef idx="1">
+            <a:schemeClr val="accent1"/>
+          </a:lnRef>
+          <a:fillRef idx="0">
+            <a:schemeClr val="accent1"/>
+          </a:fillRef>
+          <a:effectRef idx="0">
+            <a:schemeClr val="accent1"/>
+          </a:effectRef>
+          <a:fontRef idx="minor">
+            <a:schemeClr val="tx1"/>
+          </a:fontRef>
+        </p:style>
+      </p:cxnSp>
+      <p:sp>
+        <p:nvSpPr>
+          <p:cNvPr id="13" name="Frame 12"/>
+          <p:cNvSpPr/>
+          <p:nvPr/>
+        </p:nvSpPr>
+        <p:spPr>
+          <a:xfrm>
+            <a:off x="4667286" y="3009901"/>
+            <a:ext cx="1514466" cy="1504956"/>
+          </a:xfrm>
+          <a:prstGeom prst="frame">
+            <a:avLst>
+              <a:gd name="adj1" fmla="val 5058"/>
+            </a:avLst>
+          </a:prstGeom>
+          <a:solidFill>
+            <a:schemeClr val="tx1"/>
+          </a:solidFill>
+          <a:ln>
+            <a:solidFill>
+              <a:schemeClr val="tx1"/>
+            </a:solidFill>
+          </a:ln>
+        </p:spPr>
+        <p:style>
+          <a:lnRef idx="2">
+            <a:schemeClr val="accent1">
+              <a:shade val="50000"/>
+            </a:schemeClr>
+          </a:lnRef>
+          <a:fillRef idx="1">
+            <a:schemeClr val="accent1"/>
+          </a:fillRef>
+          <a:effectRef idx="0">
+            <a:schemeClr val="accent1"/>
+          </a:effectRef>
+          <a:fontRef idx="minor">
+            <a:schemeClr val="lt1"/>
+          </a:fontRef>
+        </p:style>
+        <p:txBody>
+          <a:bodyPr rot="0" spcFirstLastPara="0" vertOverflow="overflow" horzOverflow="overflow" vert="horz" wrap="square" lIns="91440" tIns="45720" rIns="91440" bIns="45720" numCol="1" spcCol="0" rtlCol="0" fromWordArt="0" anchor="ctr" anchorCtr="0" forceAA="0" compatLnSpc="1">
+            <a:prstTxWarp prst="textNoShape">
+              <a:avLst/>
+            </a:prstTxWarp>
+            <a:noAutofit/>
+          </a:bodyPr>
+          <a:lstStyle/>
+          <a:p>
+            <a:pPr algn="ctr"/>
+            <a:endParaRPr lang="en-US">
+              <a:solidFill>
+                <a:schemeClr val="tx1"/>
+              </a:solidFill>
+            </a:endParaRPr>
+          </a:p>
+        </p:txBody>
+      </p:sp>
+      <p:sp>
+        <p:nvSpPr>
+          <p:cNvPr id="14" name="Frame 13"/>
+          <p:cNvSpPr/>
+          <p:nvPr/>
+        </p:nvSpPr>
+        <p:spPr>
+          <a:xfrm>
+            <a:off x="6110311" y="3009901"/>
+            <a:ext cx="1514466" cy="1504956"/>
+          </a:xfrm>
+          <a:prstGeom prst="frame">
+            <a:avLst>
+              <a:gd name="adj1" fmla="val 5058"/>
+            </a:avLst>
+          </a:prstGeom>
+          <a:solidFill>
+            <a:schemeClr val="tx1"/>
+          </a:solidFill>
+          <a:ln>
+            <a:solidFill>
+              <a:schemeClr val="tx1"/>
+            </a:solidFill>
+          </a:ln>
+        </p:spPr>
+        <p:style>
+          <a:lnRef idx="2">
+            <a:schemeClr val="accent1">
+              <a:shade val="50000"/>
+            </a:schemeClr>
+          </a:lnRef>
+          <a:fillRef idx="1">
+            <a:schemeClr val="accent1"/>
+          </a:fillRef>
+          <a:effectRef idx="0">
+            <a:schemeClr val="accent1"/>
+          </a:effectRef>
+          <a:fontRef idx="minor">
+            <a:schemeClr val="lt1"/>
+          </a:fontRef>
+        </p:style>
+        <p:txBody>
+          <a:bodyPr rot="0" spcFirstLastPara="0" vertOverflow="overflow" horzOverflow="overflow" vert="horz" wrap="square" lIns="91440" tIns="45720" rIns="91440" bIns="45720" numCol="1" spcCol="0" rtlCol="0" fromWordArt="0" anchor="ctr" anchorCtr="0" forceAA="0" compatLnSpc="1">
+            <a:prstTxWarp prst="textNoShape">
+              <a:avLst/>
+            </a:prstTxWarp>
+            <a:noAutofit/>
+          </a:bodyPr>
+          <a:lstStyle/>
+          <a:p>
+            <a:pPr algn="ctr"/>
+            <a:endParaRPr lang="en-US">
+              <a:solidFill>
+                <a:schemeClr val="tx1"/>
+              </a:solidFill>
+            </a:endParaRPr>
+          </a:p>
+        </p:txBody>
+      </p:sp>
+      <p:sp>
+        <p:nvSpPr>
+          <p:cNvPr id="15" name="Frame 14"/>
+          <p:cNvSpPr/>
+          <p:nvPr/>
+        </p:nvSpPr>
+        <p:spPr>
+          <a:xfrm>
+            <a:off x="6110310" y="4433876"/>
+            <a:ext cx="1514466" cy="1504956"/>
+          </a:xfrm>
+          <a:prstGeom prst="frame">
+            <a:avLst>
+              <a:gd name="adj1" fmla="val 5058"/>
+            </a:avLst>
+          </a:prstGeom>
+          <a:solidFill>
+            <a:schemeClr val="tx1"/>
+          </a:solidFill>
+          <a:ln>
+            <a:solidFill>
+              <a:schemeClr val="tx1"/>
+            </a:solidFill>
+          </a:ln>
+        </p:spPr>
+        <p:style>
+          <a:lnRef idx="2">
+            <a:schemeClr val="accent1">
+              <a:shade val="50000"/>
+            </a:schemeClr>
+          </a:lnRef>
+          <a:fillRef idx="1">
+            <a:schemeClr val="accent1"/>
+          </a:fillRef>
+          <a:effectRef idx="0">
+            <a:schemeClr val="accent1"/>
+          </a:effectRef>
+          <a:fontRef idx="minor">
+            <a:schemeClr val="lt1"/>
+          </a:fontRef>
+        </p:style>
+        <p:txBody>
+          <a:bodyPr rot="0" spcFirstLastPara="0" vertOverflow="overflow" horzOverflow="overflow" vert="horz" wrap="square" lIns="91440" tIns="45720" rIns="91440" bIns="45720" numCol="1" spcCol="0" rtlCol="0" fromWordArt="0" anchor="ctr" anchorCtr="0" forceAA="0" compatLnSpc="1">
+            <a:prstTxWarp prst="textNoShape">
+              <a:avLst/>
+            </a:prstTxWarp>
+            <a:noAutofit/>
+          </a:bodyPr>
+          <a:lstStyle/>
+          <a:p>
+            <a:pPr algn="ctr"/>
+            <a:endParaRPr lang="en-US">
+              <a:solidFill>
+                <a:schemeClr val="tx1"/>
+              </a:solidFill>
+            </a:endParaRPr>
+          </a:p>
+        </p:txBody>
+      </p:sp>
+      <p:sp>
+        <p:nvSpPr>
+          <p:cNvPr id="16" name="Frame 15"/>
+          <p:cNvSpPr/>
+          <p:nvPr/>
+        </p:nvSpPr>
+        <p:spPr>
+          <a:xfrm>
+            <a:off x="4667286" y="4433876"/>
+            <a:ext cx="1514466" cy="1504956"/>
+          </a:xfrm>
+          <a:prstGeom prst="frame">
+            <a:avLst>
+              <a:gd name="adj1" fmla="val 5058"/>
+            </a:avLst>
+          </a:prstGeom>
+          <a:solidFill>
+            <a:schemeClr val="tx1"/>
+          </a:solidFill>
+          <a:ln>
+            <a:solidFill>
+              <a:schemeClr val="tx1"/>
+            </a:solidFill>
+          </a:ln>
+        </p:spPr>
+        <p:style>
+          <a:lnRef idx="2">
+            <a:schemeClr val="accent1">
+              <a:shade val="50000"/>
+            </a:schemeClr>
+          </a:lnRef>
+          <a:fillRef idx="1">
+            <a:schemeClr val="accent1"/>
+          </a:fillRef>
+          <a:effectRef idx="0">
+            <a:schemeClr val="accent1"/>
+          </a:effectRef>
+          <a:fontRef idx="minor">
+            <a:schemeClr val="lt1"/>
+          </a:fontRef>
+        </p:style>
+        <p:txBody>
+          <a:bodyPr rot="0" spcFirstLastPara="0" vertOverflow="overflow" horzOverflow="overflow" vert="horz" wrap="square" lIns="91440" tIns="45720" rIns="91440" bIns="45720" numCol="1" spcCol="0" rtlCol="0" fromWordArt="0" anchor="ctr" anchorCtr="0" forceAA="0" compatLnSpc="1">
+            <a:prstTxWarp prst="textNoShape">
+              <a:avLst/>
+            </a:prstTxWarp>
+            <a:noAutofit/>
+          </a:bodyPr>
+          <a:lstStyle/>
+          <a:p>
+            <a:pPr algn="ctr"/>
+            <a:endParaRPr lang="en-US">
+              <a:solidFill>
+                <a:schemeClr val="tx1"/>
+              </a:solidFill>
+            </a:endParaRPr>
+          </a:p>
+        </p:txBody>
+      </p:sp>
+      <p:cxnSp>
+        <p:nvCxnSpPr>
+          <p:cNvPr id="17" name="Straight Connector 16"/>
+          <p:cNvCxnSpPr/>
+          <p:nvPr/>
+        </p:nvCxnSpPr>
+        <p:spPr>
+          <a:xfrm flipV="1">
+            <a:off x="6110310" y="4433877"/>
+            <a:ext cx="1514466" cy="1504955"/>
+          </a:xfrm>
+          <a:prstGeom prst="line">
+            <a:avLst/>
+          </a:prstGeom>
+          <a:ln w="50800">
+            <a:solidFill>
+              <a:schemeClr val="tx1"/>
+            </a:solidFill>
+            <a:prstDash val="dash"/>
+          </a:ln>
+        </p:spPr>
+        <p:style>
+          <a:lnRef idx="1">
+            <a:schemeClr val="accent1"/>
+          </a:lnRef>
+          <a:fillRef idx="0">
+            <a:schemeClr val="accent1"/>
+          </a:fillRef>
+          <a:effectRef idx="0">
+            <a:schemeClr val="accent1"/>
+          </a:effectRef>
+          <a:fontRef idx="minor">
+            <a:schemeClr val="tx1"/>
+          </a:fontRef>
+        </p:style>
+      </p:cxnSp>
+      <p:sp>
+        <p:nvSpPr>
+          <p:cNvPr id="18" name="Frame 17"/>
+          <p:cNvSpPr/>
+          <p:nvPr/>
+        </p:nvSpPr>
+        <p:spPr>
+          <a:xfrm>
+            <a:off x="8048674" y="3033710"/>
+            <a:ext cx="1514466" cy="1504956"/>
+          </a:xfrm>
+          <a:prstGeom prst="frame">
+            <a:avLst>
+              <a:gd name="adj1" fmla="val 5058"/>
+            </a:avLst>
+          </a:prstGeom>
+          <a:solidFill>
+            <a:schemeClr val="tx1"/>
+          </a:solidFill>
+          <a:ln>
+            <a:solidFill>
+              <a:schemeClr val="tx1"/>
+            </a:solidFill>
+          </a:ln>
+        </p:spPr>
+        <p:style>
+          <a:lnRef idx="2">
+            <a:schemeClr val="accent1">
+              <a:shade val="50000"/>
+            </a:schemeClr>
+          </a:lnRef>
+          <a:fillRef idx="1">
+            <a:schemeClr val="accent1"/>
+          </a:fillRef>
+          <a:effectRef idx="0">
+            <a:schemeClr val="accent1"/>
+          </a:effectRef>
+          <a:fontRef idx="minor">
+            <a:schemeClr val="lt1"/>
+          </a:fontRef>
+        </p:style>
+        <p:txBody>
+          <a:bodyPr rot="0" spcFirstLastPara="0" vertOverflow="overflow" horzOverflow="overflow" vert="horz" wrap="square" lIns="91440" tIns="45720" rIns="91440" bIns="45720" numCol="1" spcCol="0" rtlCol="0" fromWordArt="0" anchor="ctr" anchorCtr="0" forceAA="0" compatLnSpc="1">
+            <a:prstTxWarp prst="textNoShape">
+              <a:avLst/>
+            </a:prstTxWarp>
+            <a:noAutofit/>
+          </a:bodyPr>
+          <a:lstStyle/>
+          <a:p>
+            <a:pPr algn="ctr"/>
+            <a:endParaRPr lang="en-US">
+              <a:solidFill>
+                <a:schemeClr val="tx1"/>
+              </a:solidFill>
+            </a:endParaRPr>
+          </a:p>
+        </p:txBody>
+      </p:sp>
+      <p:sp>
+        <p:nvSpPr>
+          <p:cNvPr id="19" name="Frame 18"/>
+          <p:cNvSpPr/>
+          <p:nvPr/>
+        </p:nvSpPr>
+        <p:spPr>
+          <a:xfrm>
+            <a:off x="9491699" y="3033710"/>
+            <a:ext cx="1514466" cy="1504956"/>
+          </a:xfrm>
+          <a:prstGeom prst="frame">
+            <a:avLst>
+              <a:gd name="adj1" fmla="val 5058"/>
+            </a:avLst>
+          </a:prstGeom>
+          <a:solidFill>
+            <a:schemeClr val="tx1"/>
+          </a:solidFill>
+          <a:ln>
+            <a:solidFill>
+              <a:schemeClr val="tx1"/>
+            </a:solidFill>
+          </a:ln>
+        </p:spPr>
+        <p:style>
+          <a:lnRef idx="2">
+            <a:schemeClr val="accent1">
+              <a:shade val="50000"/>
+            </a:schemeClr>
+          </a:lnRef>
+          <a:fillRef idx="1">
+            <a:schemeClr val="accent1"/>
+          </a:fillRef>
+          <a:effectRef idx="0">
+            <a:schemeClr val="accent1"/>
+          </a:effectRef>
+          <a:fontRef idx="minor">
+            <a:schemeClr val="lt1"/>
+          </a:fontRef>
+        </p:style>
+        <p:txBody>
+          <a:bodyPr rot="0" spcFirstLastPara="0" vertOverflow="overflow" horzOverflow="overflow" vert="horz" wrap="square" lIns="91440" tIns="45720" rIns="91440" bIns="45720" numCol="1" spcCol="0" rtlCol="0" fromWordArt="0" anchor="ctr" anchorCtr="0" forceAA="0" compatLnSpc="1">
+            <a:prstTxWarp prst="textNoShape">
+              <a:avLst/>
+            </a:prstTxWarp>
+            <a:noAutofit/>
+          </a:bodyPr>
+          <a:lstStyle/>
+          <a:p>
+            <a:pPr algn="ctr"/>
+            <a:endParaRPr lang="en-US">
+              <a:solidFill>
+                <a:schemeClr val="tx1"/>
+              </a:solidFill>
+            </a:endParaRPr>
+          </a:p>
+        </p:txBody>
+      </p:sp>
+      <p:sp>
+        <p:nvSpPr>
+          <p:cNvPr id="20" name="Frame 19"/>
+          <p:cNvSpPr/>
+          <p:nvPr/>
+        </p:nvSpPr>
+        <p:spPr>
+          <a:xfrm>
+            <a:off x="9491698" y="4457685"/>
+            <a:ext cx="1514466" cy="1504956"/>
+          </a:xfrm>
+          <a:prstGeom prst="frame">
+            <a:avLst>
+              <a:gd name="adj1" fmla="val 5058"/>
+            </a:avLst>
+          </a:prstGeom>
+          <a:solidFill>
+            <a:schemeClr val="tx1"/>
+          </a:solidFill>
+          <a:ln>
+            <a:solidFill>
+              <a:schemeClr val="tx1"/>
+            </a:solidFill>
+          </a:ln>
+        </p:spPr>
+        <p:style>
+          <a:lnRef idx="2">
+            <a:schemeClr val="accent1">
+              <a:shade val="50000"/>
+            </a:schemeClr>
+          </a:lnRef>
+          <a:fillRef idx="1">
+            <a:schemeClr val="accent1"/>
+          </a:fillRef>
+          <a:effectRef idx="0">
+            <a:schemeClr val="accent1"/>
+          </a:effectRef>
+          <a:fontRef idx="minor">
+            <a:schemeClr val="lt1"/>
+          </a:fontRef>
+        </p:style>
+        <p:txBody>
+          <a:bodyPr rot="0" spcFirstLastPara="0" vertOverflow="overflow" horzOverflow="overflow" vert="horz" wrap="square" lIns="91440" tIns="45720" rIns="91440" bIns="45720" numCol="1" spcCol="0" rtlCol="0" fromWordArt="0" anchor="ctr" anchorCtr="0" forceAA="0" compatLnSpc="1">
+            <a:prstTxWarp prst="textNoShape">
+              <a:avLst/>
+            </a:prstTxWarp>
+            <a:noAutofit/>
+          </a:bodyPr>
+          <a:lstStyle/>
+          <a:p>
+            <a:pPr algn="ctr"/>
+            <a:endParaRPr lang="en-US">
+              <a:solidFill>
+                <a:schemeClr val="tx1"/>
+              </a:solidFill>
+            </a:endParaRPr>
+          </a:p>
+        </p:txBody>
+      </p:sp>
+      <p:sp>
+        <p:nvSpPr>
+          <p:cNvPr id="21" name="Frame 20"/>
+          <p:cNvSpPr/>
+          <p:nvPr/>
+        </p:nvSpPr>
+        <p:spPr>
+          <a:xfrm>
+            <a:off x="8048674" y="4457685"/>
+            <a:ext cx="1514466" cy="1504956"/>
+          </a:xfrm>
+          <a:prstGeom prst="frame">
+            <a:avLst>
+              <a:gd name="adj1" fmla="val 5058"/>
+            </a:avLst>
+          </a:prstGeom>
+          <a:solidFill>
+            <a:schemeClr val="tx1"/>
+          </a:solidFill>
+          <a:ln>
+            <a:solidFill>
+              <a:schemeClr val="tx1"/>
+            </a:solidFill>
+          </a:ln>
+        </p:spPr>
+        <p:style>
+          <a:lnRef idx="2">
+            <a:schemeClr val="accent1">
+              <a:shade val="50000"/>
+            </a:schemeClr>
+          </a:lnRef>
+          <a:fillRef idx="1">
+            <a:schemeClr val="accent1"/>
+          </a:fillRef>
+          <a:effectRef idx="0">
+            <a:schemeClr val="accent1"/>
+          </a:effectRef>
+          <a:fontRef idx="minor">
+            <a:schemeClr val="lt1"/>
+          </a:fontRef>
+        </p:style>
+        <p:txBody>
+          <a:bodyPr rot="0" spcFirstLastPara="0" vertOverflow="overflow" horzOverflow="overflow" vert="horz" wrap="square" lIns="91440" tIns="45720" rIns="91440" bIns="45720" numCol="1" spcCol="0" rtlCol="0" fromWordArt="0" anchor="ctr" anchorCtr="0" forceAA="0" compatLnSpc="1">
+            <a:prstTxWarp prst="textNoShape">
+              <a:avLst/>
+            </a:prstTxWarp>
+            <a:noAutofit/>
+          </a:bodyPr>
+          <a:lstStyle/>
+          <a:p>
+            <a:pPr algn="ctr"/>
+            <a:endParaRPr lang="en-US">
+              <a:solidFill>
+                <a:schemeClr val="tx1"/>
+              </a:solidFill>
+            </a:endParaRPr>
+          </a:p>
+        </p:txBody>
+      </p:sp>
+      <p:cxnSp>
+        <p:nvCxnSpPr>
+          <p:cNvPr id="22" name="Straight Connector 21"/>
+          <p:cNvCxnSpPr/>
+          <p:nvPr/>
+        </p:nvCxnSpPr>
+        <p:spPr>
+          <a:xfrm flipV="1">
+            <a:off x="9491698" y="4457686"/>
+            <a:ext cx="1514466" cy="1504955"/>
+          </a:xfrm>
+          <a:prstGeom prst="line">
+            <a:avLst/>
+          </a:prstGeom>
+          <a:ln w="50800">
+            <a:solidFill>
+              <a:schemeClr val="tx1"/>
+            </a:solidFill>
+            <a:prstDash val="dash"/>
+          </a:ln>
+        </p:spPr>
+        <p:style>
+          <a:lnRef idx="1">
+            <a:schemeClr val="accent1"/>
+          </a:lnRef>
+          <a:fillRef idx="0">
+            <a:schemeClr val="accent1"/>
+          </a:fillRef>
+          <a:effectRef idx="0">
+            <a:schemeClr val="accent1"/>
+          </a:effectRef>
+          <a:fontRef idx="minor">
+            <a:schemeClr val="tx1"/>
+          </a:fontRef>
+        </p:style>
+      </p:cxnSp>
+      <p:sp>
+        <p:nvSpPr>
+          <p:cNvPr id="23" name="TextBox 22"/>
+          <p:cNvSpPr txBox="1"/>
+          <p:nvPr/>
+        </p:nvSpPr>
+        <p:spPr>
+          <a:xfrm>
+            <a:off x="1321619" y="2640569"/>
+            <a:ext cx="2957490" cy="369332"/>
+          </a:xfrm>
+          <a:prstGeom prst="rect">
+            <a:avLst/>
+          </a:prstGeom>
+          <a:noFill/>
+        </p:spPr>
+        <p:txBody>
+          <a:bodyPr wrap="square" rtlCol="0">
+            <a:spAutoFit/>
+          </a:bodyPr>
+          <a:lstStyle/>
+          <a:p>
+            <a:r>
+              <a:rPr lang="en-US" dirty="0" smtClean="0"/>
+              <a:t>Experiment I: Virus vs Virus</a:t>
+            </a:r>
+            <a:endParaRPr lang="en-US" dirty="0"/>
+          </a:p>
+        </p:txBody>
+      </p:sp>
+      <p:sp>
+        <p:nvSpPr>
+          <p:cNvPr id="24" name="TextBox 23"/>
+          <p:cNvSpPr txBox="1"/>
+          <p:nvPr/>
+        </p:nvSpPr>
+        <p:spPr>
+          <a:xfrm>
+            <a:off x="4279109" y="2640569"/>
+            <a:ext cx="3626685" cy="369332"/>
+          </a:xfrm>
+          <a:prstGeom prst="rect">
+            <a:avLst/>
+          </a:prstGeom>
+          <a:noFill/>
+        </p:spPr>
+        <p:txBody>
+          <a:bodyPr wrap="square" rtlCol="0">
+            <a:spAutoFit/>
+          </a:bodyPr>
+          <a:lstStyle/>
+          <a:p>
+            <a:r>
+              <a:rPr lang="en-US" dirty="0" smtClean="0"/>
+              <a:t>    Experiment II: </a:t>
+            </a:r>
+            <a:r>
+              <a:rPr lang="en-US" i="1" dirty="0" err="1" smtClean="0"/>
+              <a:t>Nosema</a:t>
+            </a:r>
+            <a:r>
+              <a:rPr lang="en-US" dirty="0" smtClean="0"/>
+              <a:t> vs </a:t>
+            </a:r>
+            <a:r>
+              <a:rPr lang="en-US" i="1" dirty="0" err="1" smtClean="0"/>
+              <a:t>Nosema</a:t>
+            </a:r>
+            <a:endParaRPr lang="en-US" i="1" dirty="0"/>
+          </a:p>
+        </p:txBody>
+      </p:sp>
+      <p:sp>
+        <p:nvSpPr>
+          <p:cNvPr id="25" name="TextBox 24"/>
+          <p:cNvSpPr txBox="1"/>
+          <p:nvPr/>
+        </p:nvSpPr>
+        <p:spPr>
+          <a:xfrm>
+            <a:off x="7810520" y="2640569"/>
+            <a:ext cx="3702803" cy="369332"/>
+          </a:xfrm>
+          <a:prstGeom prst="rect">
+            <a:avLst/>
+          </a:prstGeom>
+          <a:noFill/>
+        </p:spPr>
+        <p:txBody>
+          <a:bodyPr wrap="square" rtlCol="0">
+            <a:spAutoFit/>
+          </a:bodyPr>
+          <a:lstStyle/>
+          <a:p>
+            <a:r>
+              <a:rPr lang="en-US" dirty="0" smtClean="0"/>
+              <a:t>  Experiment III: </a:t>
+            </a:r>
+            <a:r>
+              <a:rPr lang="en-US" i="1" dirty="0" err="1" smtClean="0"/>
+              <a:t>Nosema</a:t>
+            </a:r>
+            <a:r>
+              <a:rPr lang="en-US" dirty="0" smtClean="0"/>
+              <a:t> vs Virus </a:t>
+            </a:r>
+            <a:endParaRPr lang="en-US" dirty="0"/>
+          </a:p>
+        </p:txBody>
+      </p:sp>
+      <p:sp>
+        <p:nvSpPr>
+          <p:cNvPr id="27" name="TextBox 26"/>
+          <p:cNvSpPr txBox="1"/>
+          <p:nvPr/>
+        </p:nvSpPr>
+        <p:spPr>
+          <a:xfrm>
+            <a:off x="1688710" y="3401467"/>
+            <a:ext cx="637402" cy="769441"/>
+          </a:xfrm>
+          <a:prstGeom prst="rect">
+            <a:avLst/>
+          </a:prstGeom>
+          <a:noFill/>
+        </p:spPr>
+        <p:txBody>
+          <a:bodyPr wrap="square" rtlCol="0">
+            <a:spAutoFit/>
+          </a:bodyPr>
+          <a:lstStyle/>
+          <a:p>
+            <a:r>
+              <a:rPr lang="en-US" sz="4400" b="1" dirty="0" smtClean="0"/>
+              <a:t> C</a:t>
+            </a:r>
+            <a:endParaRPr lang="en-US" sz="4400" b="1" dirty="0"/>
+          </a:p>
+        </p:txBody>
+      </p:sp>
+      <p:sp>
+        <p:nvSpPr>
+          <p:cNvPr id="29" name="TextBox 28"/>
+          <p:cNvSpPr txBox="1"/>
+          <p:nvPr/>
+        </p:nvSpPr>
+        <p:spPr>
+          <a:xfrm>
+            <a:off x="5070098" y="3401467"/>
+            <a:ext cx="637402" cy="769441"/>
+          </a:xfrm>
+          <a:prstGeom prst="rect">
+            <a:avLst/>
+          </a:prstGeom>
+          <a:noFill/>
+        </p:spPr>
+        <p:txBody>
+          <a:bodyPr wrap="square" rtlCol="0">
+            <a:spAutoFit/>
+          </a:bodyPr>
+          <a:lstStyle/>
+          <a:p>
+            <a:r>
+              <a:rPr lang="en-US" sz="4400" b="1" dirty="0" smtClean="0"/>
+              <a:t> C</a:t>
+            </a:r>
+            <a:endParaRPr lang="en-US" sz="4400" b="1" dirty="0"/>
+          </a:p>
+        </p:txBody>
+      </p:sp>
+      <p:sp>
+        <p:nvSpPr>
+          <p:cNvPr id="30" name="TextBox 29"/>
+          <p:cNvSpPr txBox="1"/>
+          <p:nvPr/>
+        </p:nvSpPr>
+        <p:spPr>
+          <a:xfrm>
+            <a:off x="8451486" y="3401467"/>
+            <a:ext cx="637402" cy="769441"/>
+          </a:xfrm>
+          <a:prstGeom prst="rect">
+            <a:avLst/>
+          </a:prstGeom>
+          <a:noFill/>
+        </p:spPr>
+        <p:txBody>
+          <a:bodyPr wrap="square" rtlCol="0">
+            <a:spAutoFit/>
+          </a:bodyPr>
+          <a:lstStyle/>
+          <a:p>
+            <a:r>
+              <a:rPr lang="en-US" sz="4400" b="1" dirty="0" smtClean="0"/>
+              <a:t> C</a:t>
+            </a:r>
+            <a:endParaRPr lang="en-US" sz="4400" b="1" dirty="0"/>
+          </a:p>
+        </p:txBody>
+      </p:sp>
+      <p:sp>
+        <p:nvSpPr>
+          <p:cNvPr id="31" name="TextBox 30"/>
+          <p:cNvSpPr txBox="1"/>
+          <p:nvPr/>
+        </p:nvSpPr>
+        <p:spPr>
+          <a:xfrm>
+            <a:off x="5209804" y="6472238"/>
+            <a:ext cx="2062535" cy="523220"/>
+          </a:xfrm>
+          <a:prstGeom prst="rect">
+            <a:avLst/>
+          </a:prstGeom>
+          <a:noFill/>
+        </p:spPr>
+        <p:txBody>
+          <a:bodyPr wrap="square" rtlCol="0">
+            <a:spAutoFit/>
+          </a:bodyPr>
+          <a:lstStyle/>
+          <a:p>
+            <a:r>
+              <a:rPr lang="en-US" sz="2800" b="1" dirty="0" smtClean="0"/>
+              <a:t>Pathogen 1</a:t>
+            </a:r>
+            <a:endParaRPr lang="en-US" sz="2800" b="1" dirty="0"/>
+          </a:p>
+        </p:txBody>
+      </p:sp>
+      <p:sp>
+        <p:nvSpPr>
+          <p:cNvPr id="32" name="TextBox 31"/>
+          <p:cNvSpPr txBox="1"/>
+          <p:nvPr/>
+        </p:nvSpPr>
+        <p:spPr>
+          <a:xfrm rot="16200000">
+            <a:off x="-498041" y="4157470"/>
+            <a:ext cx="2062535" cy="523220"/>
+          </a:xfrm>
+          <a:prstGeom prst="rect">
+            <a:avLst/>
+          </a:prstGeom>
+          <a:noFill/>
+        </p:spPr>
+        <p:txBody>
+          <a:bodyPr wrap="square" rtlCol="0">
+            <a:spAutoFit/>
+          </a:bodyPr>
+          <a:lstStyle/>
+          <a:p>
+            <a:r>
+              <a:rPr lang="en-US" sz="2800" b="1" dirty="0" smtClean="0"/>
+              <a:t>Pathogen 2</a:t>
+            </a:r>
+            <a:endParaRPr lang="en-US" sz="2800" b="1" dirty="0"/>
+          </a:p>
+        </p:txBody>
+      </p:sp>
+      <p:sp>
+        <p:nvSpPr>
+          <p:cNvPr id="33" name="TextBox 32"/>
+          <p:cNvSpPr txBox="1"/>
+          <p:nvPr/>
+        </p:nvSpPr>
+        <p:spPr>
+          <a:xfrm>
+            <a:off x="3251564" y="5943585"/>
+            <a:ext cx="637402" cy="523220"/>
+          </a:xfrm>
+          <a:prstGeom prst="rect">
+            <a:avLst/>
+          </a:prstGeom>
+          <a:noFill/>
+        </p:spPr>
+        <p:txBody>
+          <a:bodyPr wrap="square" rtlCol="0">
+            <a:spAutoFit/>
+          </a:bodyPr>
+          <a:lstStyle/>
+          <a:p>
+            <a:r>
+              <a:rPr lang="en-US" sz="2800" dirty="0" smtClean="0"/>
+              <a:t>V</a:t>
+            </a:r>
+            <a:r>
+              <a:rPr lang="en-US" sz="2800" baseline="-25000" dirty="0" smtClean="0"/>
+              <a:t>1</a:t>
+            </a:r>
+            <a:endParaRPr lang="en-US" sz="2800" dirty="0"/>
+          </a:p>
+        </p:txBody>
+      </p:sp>
+      <p:sp>
+        <p:nvSpPr>
+          <p:cNvPr id="34" name="TextBox 33"/>
+          <p:cNvSpPr txBox="1"/>
+          <p:nvPr/>
+        </p:nvSpPr>
+        <p:spPr>
+          <a:xfrm>
+            <a:off x="1737098" y="5920442"/>
+            <a:ext cx="637402" cy="523220"/>
+          </a:xfrm>
+          <a:prstGeom prst="rect">
+            <a:avLst/>
+          </a:prstGeom>
+          <a:noFill/>
+        </p:spPr>
+        <p:txBody>
+          <a:bodyPr wrap="square" rtlCol="0">
+            <a:spAutoFit/>
+          </a:bodyPr>
+          <a:lstStyle/>
+          <a:p>
+            <a:r>
+              <a:rPr lang="en-US" sz="2800" dirty="0"/>
+              <a:t>C</a:t>
+            </a:r>
+            <a:r>
+              <a:rPr lang="en-US" sz="2800" baseline="-25000" dirty="0" smtClean="0"/>
+              <a:t>1</a:t>
+            </a:r>
+            <a:endParaRPr lang="en-US" sz="2800" dirty="0"/>
+          </a:p>
+        </p:txBody>
+      </p:sp>
+      <p:sp>
+        <p:nvSpPr>
+          <p:cNvPr id="35" name="TextBox 34"/>
+          <p:cNvSpPr txBox="1"/>
+          <p:nvPr/>
+        </p:nvSpPr>
+        <p:spPr>
+          <a:xfrm>
+            <a:off x="6634938" y="5920442"/>
+            <a:ext cx="637402" cy="523220"/>
+          </a:xfrm>
+          <a:prstGeom prst="rect">
+            <a:avLst/>
+          </a:prstGeom>
+          <a:noFill/>
+        </p:spPr>
+        <p:txBody>
+          <a:bodyPr wrap="square" rtlCol="0">
+            <a:spAutoFit/>
+          </a:bodyPr>
+          <a:lstStyle/>
+          <a:p>
+            <a:r>
+              <a:rPr lang="en-US" sz="2800" dirty="0" smtClean="0"/>
+              <a:t>N</a:t>
+            </a:r>
+            <a:r>
+              <a:rPr lang="en-US" sz="2800" baseline="-25000" dirty="0"/>
+              <a:t>1</a:t>
+            </a:r>
+            <a:endParaRPr lang="en-US" sz="2800" dirty="0"/>
+          </a:p>
+        </p:txBody>
+      </p:sp>
+      <p:sp>
+        <p:nvSpPr>
+          <p:cNvPr id="36" name="TextBox 35"/>
+          <p:cNvSpPr txBox="1"/>
+          <p:nvPr/>
+        </p:nvSpPr>
+        <p:spPr>
+          <a:xfrm>
+            <a:off x="5120450" y="5920442"/>
+            <a:ext cx="637402" cy="523220"/>
+          </a:xfrm>
+          <a:prstGeom prst="rect">
+            <a:avLst/>
+          </a:prstGeom>
+          <a:noFill/>
+        </p:spPr>
+        <p:txBody>
+          <a:bodyPr wrap="square" rtlCol="0">
+            <a:spAutoFit/>
+          </a:bodyPr>
+          <a:lstStyle/>
+          <a:p>
+            <a:r>
+              <a:rPr lang="en-US" sz="2800" dirty="0"/>
+              <a:t>C</a:t>
+            </a:r>
+            <a:r>
+              <a:rPr lang="en-US" sz="2800" baseline="-25000" smtClean="0"/>
+              <a:t>1</a:t>
+            </a:r>
+            <a:endParaRPr lang="en-US" sz="2800" dirty="0"/>
+          </a:p>
+        </p:txBody>
+      </p:sp>
+      <p:sp>
+        <p:nvSpPr>
+          <p:cNvPr id="37" name="TextBox 36"/>
+          <p:cNvSpPr txBox="1"/>
+          <p:nvPr/>
+        </p:nvSpPr>
+        <p:spPr>
+          <a:xfrm>
+            <a:off x="10087790" y="5943585"/>
+            <a:ext cx="637402" cy="523220"/>
+          </a:xfrm>
+          <a:prstGeom prst="rect">
+            <a:avLst/>
+          </a:prstGeom>
+          <a:noFill/>
+        </p:spPr>
+        <p:txBody>
+          <a:bodyPr wrap="square" rtlCol="0">
+            <a:spAutoFit/>
+          </a:bodyPr>
+          <a:lstStyle/>
+          <a:p>
+            <a:r>
+              <a:rPr lang="en-US" sz="2800" dirty="0" smtClean="0"/>
+              <a:t>N</a:t>
+            </a:r>
+            <a:r>
+              <a:rPr lang="en-US" sz="2800" baseline="-25000" dirty="0"/>
+              <a:t>1</a:t>
+            </a:r>
+            <a:endParaRPr lang="en-US" sz="2800" dirty="0"/>
+          </a:p>
+        </p:txBody>
+      </p:sp>
+      <p:sp>
+        <p:nvSpPr>
+          <p:cNvPr id="38" name="TextBox 37"/>
+          <p:cNvSpPr txBox="1"/>
+          <p:nvPr/>
+        </p:nvSpPr>
+        <p:spPr>
+          <a:xfrm>
+            <a:off x="8573302" y="5943585"/>
+            <a:ext cx="637402" cy="523220"/>
+          </a:xfrm>
+          <a:prstGeom prst="rect">
+            <a:avLst/>
+          </a:prstGeom>
+          <a:noFill/>
+        </p:spPr>
+        <p:txBody>
+          <a:bodyPr wrap="square" rtlCol="0">
+            <a:spAutoFit/>
+          </a:bodyPr>
+          <a:lstStyle/>
+          <a:p>
+            <a:r>
+              <a:rPr lang="en-US" sz="2800" dirty="0"/>
+              <a:t>C</a:t>
+            </a:r>
+            <a:r>
+              <a:rPr lang="en-US" sz="2800" baseline="-25000" smtClean="0"/>
+              <a:t>1</a:t>
+            </a:r>
+            <a:endParaRPr lang="en-US" sz="2800" dirty="0"/>
+          </a:p>
+        </p:txBody>
+      </p:sp>
+      <p:sp>
+        <p:nvSpPr>
+          <p:cNvPr id="43" name="TextBox 42"/>
+          <p:cNvSpPr txBox="1"/>
+          <p:nvPr/>
+        </p:nvSpPr>
+        <p:spPr>
+          <a:xfrm>
+            <a:off x="781454" y="3524577"/>
+            <a:ext cx="637402" cy="523220"/>
+          </a:xfrm>
+          <a:prstGeom prst="rect">
+            <a:avLst/>
+          </a:prstGeom>
+          <a:noFill/>
+        </p:spPr>
+        <p:txBody>
+          <a:bodyPr wrap="square" rtlCol="0">
+            <a:spAutoFit/>
+          </a:bodyPr>
+          <a:lstStyle/>
+          <a:p>
+            <a:r>
+              <a:rPr lang="en-US" sz="2800" smtClean="0"/>
+              <a:t>C</a:t>
+            </a:r>
+            <a:r>
+              <a:rPr lang="en-US" sz="2800" baseline="-25000" dirty="0"/>
+              <a:t>2</a:t>
+            </a:r>
+            <a:endParaRPr lang="en-US" sz="2800" dirty="0"/>
+          </a:p>
+        </p:txBody>
+      </p:sp>
+      <p:sp>
+        <p:nvSpPr>
+          <p:cNvPr id="44" name="TextBox 43"/>
+          <p:cNvSpPr txBox="1"/>
+          <p:nvPr/>
+        </p:nvSpPr>
+        <p:spPr>
+          <a:xfrm>
+            <a:off x="4193035" y="3502232"/>
+            <a:ext cx="637402" cy="523220"/>
+          </a:xfrm>
+          <a:prstGeom prst="rect">
+            <a:avLst/>
+          </a:prstGeom>
+          <a:noFill/>
+        </p:spPr>
+        <p:txBody>
+          <a:bodyPr wrap="square" rtlCol="0">
+            <a:spAutoFit/>
+          </a:bodyPr>
+          <a:lstStyle/>
+          <a:p>
+            <a:r>
+              <a:rPr lang="en-US" sz="2800" smtClean="0"/>
+              <a:t>C</a:t>
+            </a:r>
+            <a:r>
+              <a:rPr lang="en-US" sz="2800" baseline="-25000" dirty="0"/>
+              <a:t>2</a:t>
+            </a:r>
+            <a:endParaRPr lang="en-US" sz="2800" dirty="0"/>
+          </a:p>
+        </p:txBody>
+      </p:sp>
+      <p:sp>
+        <p:nvSpPr>
+          <p:cNvPr id="45" name="TextBox 44"/>
+          <p:cNvSpPr txBox="1"/>
+          <p:nvPr/>
+        </p:nvSpPr>
+        <p:spPr>
+          <a:xfrm>
+            <a:off x="7609279" y="3524577"/>
+            <a:ext cx="637402" cy="523220"/>
+          </a:xfrm>
+          <a:prstGeom prst="rect">
+            <a:avLst/>
+          </a:prstGeom>
+          <a:noFill/>
+        </p:spPr>
+        <p:txBody>
+          <a:bodyPr wrap="square" rtlCol="0">
+            <a:spAutoFit/>
+          </a:bodyPr>
+          <a:lstStyle/>
+          <a:p>
+            <a:r>
+              <a:rPr lang="en-US" sz="2800" smtClean="0"/>
+              <a:t>C</a:t>
+            </a:r>
+            <a:r>
+              <a:rPr lang="en-US" sz="2800" baseline="-25000" dirty="0"/>
+              <a:t>2</a:t>
+            </a:r>
+            <a:endParaRPr lang="en-US" sz="2800" dirty="0"/>
+          </a:p>
+        </p:txBody>
+      </p:sp>
+      <p:sp>
+        <p:nvSpPr>
+          <p:cNvPr id="46" name="TextBox 45"/>
+          <p:cNvSpPr txBox="1"/>
+          <p:nvPr/>
+        </p:nvSpPr>
+        <p:spPr>
+          <a:xfrm>
+            <a:off x="7609279" y="4948552"/>
+            <a:ext cx="637402" cy="523220"/>
+          </a:xfrm>
+          <a:prstGeom prst="rect">
+            <a:avLst/>
+          </a:prstGeom>
+          <a:noFill/>
+        </p:spPr>
+        <p:txBody>
+          <a:bodyPr wrap="square" rtlCol="0">
+            <a:spAutoFit/>
+          </a:bodyPr>
+          <a:lstStyle/>
+          <a:p>
+            <a:r>
+              <a:rPr lang="en-US" sz="2800" dirty="0" smtClean="0"/>
+              <a:t>V</a:t>
+            </a:r>
+            <a:r>
+              <a:rPr lang="en-US" sz="2800" baseline="-25000" dirty="0"/>
+              <a:t>2</a:t>
+            </a:r>
+            <a:endParaRPr lang="en-US" sz="2800" dirty="0"/>
+          </a:p>
+        </p:txBody>
+      </p:sp>
+      <p:sp>
+        <p:nvSpPr>
+          <p:cNvPr id="47" name="TextBox 46"/>
+          <p:cNvSpPr txBox="1"/>
+          <p:nvPr/>
+        </p:nvSpPr>
+        <p:spPr>
+          <a:xfrm>
+            <a:off x="788605" y="4948552"/>
+            <a:ext cx="637402" cy="523220"/>
+          </a:xfrm>
+          <a:prstGeom prst="rect">
+            <a:avLst/>
+          </a:prstGeom>
+          <a:noFill/>
+        </p:spPr>
+        <p:txBody>
+          <a:bodyPr wrap="square" rtlCol="0">
+            <a:spAutoFit/>
+          </a:bodyPr>
+          <a:lstStyle/>
+          <a:p>
+            <a:r>
+              <a:rPr lang="en-US" sz="2800" dirty="0" smtClean="0"/>
+              <a:t>V</a:t>
+            </a:r>
+            <a:r>
+              <a:rPr lang="en-US" sz="2800" baseline="-25000" dirty="0"/>
+              <a:t>2</a:t>
+            </a:r>
+            <a:endParaRPr lang="en-US" sz="2800" dirty="0"/>
+          </a:p>
+        </p:txBody>
+      </p:sp>
+      <p:sp>
+        <p:nvSpPr>
+          <p:cNvPr id="48" name="TextBox 47"/>
+          <p:cNvSpPr txBox="1"/>
+          <p:nvPr/>
+        </p:nvSpPr>
+        <p:spPr>
+          <a:xfrm>
+            <a:off x="4212513" y="4924744"/>
+            <a:ext cx="637402" cy="523220"/>
+          </a:xfrm>
+          <a:prstGeom prst="rect">
+            <a:avLst/>
+          </a:prstGeom>
+          <a:noFill/>
+        </p:spPr>
+        <p:txBody>
+          <a:bodyPr wrap="square" rtlCol="0">
+            <a:spAutoFit/>
+          </a:bodyPr>
+          <a:lstStyle/>
+          <a:p>
+            <a:r>
+              <a:rPr lang="en-US" sz="2800" smtClean="0"/>
+              <a:t>N</a:t>
+            </a:r>
+            <a:r>
+              <a:rPr lang="en-US" sz="2800" baseline="-25000" dirty="0" smtClean="0"/>
+              <a:t>2</a:t>
+            </a:r>
+            <a:endParaRPr lang="en-US" sz="2800" dirty="0"/>
+          </a:p>
+        </p:txBody>
+      </p:sp>
+      <p:sp>
+        <p:nvSpPr>
+          <p:cNvPr id="49" name="TextBox 48"/>
+          <p:cNvSpPr txBox="1"/>
+          <p:nvPr/>
+        </p:nvSpPr>
+        <p:spPr>
+          <a:xfrm>
+            <a:off x="1574405" y="4838689"/>
+            <a:ext cx="968782" cy="769441"/>
+          </a:xfrm>
+          <a:prstGeom prst="rect">
+            <a:avLst/>
+          </a:prstGeom>
+          <a:noFill/>
+        </p:spPr>
+        <p:txBody>
+          <a:bodyPr wrap="square" rtlCol="0">
+            <a:spAutoFit/>
+          </a:bodyPr>
+          <a:lstStyle/>
+          <a:p>
+            <a:r>
+              <a:rPr lang="en-US" sz="4400" b="1" dirty="0" smtClean="0"/>
+              <a:t> V</a:t>
+            </a:r>
+            <a:r>
+              <a:rPr lang="en-US" sz="4400" b="1" baseline="-25000" dirty="0" smtClean="0"/>
+              <a:t>2</a:t>
+            </a:r>
+            <a:endParaRPr lang="en-US" sz="4400" b="1" dirty="0"/>
+          </a:p>
+        </p:txBody>
+      </p:sp>
+      <p:sp>
+        <p:nvSpPr>
+          <p:cNvPr id="50" name="TextBox 49"/>
+          <p:cNvSpPr txBox="1"/>
+          <p:nvPr/>
+        </p:nvSpPr>
+        <p:spPr>
+          <a:xfrm>
+            <a:off x="3029736" y="3377658"/>
+            <a:ext cx="968782" cy="769441"/>
+          </a:xfrm>
+          <a:prstGeom prst="rect">
+            <a:avLst/>
+          </a:prstGeom>
+          <a:noFill/>
+        </p:spPr>
+        <p:txBody>
+          <a:bodyPr wrap="square" rtlCol="0">
+            <a:spAutoFit/>
+          </a:bodyPr>
+          <a:lstStyle/>
+          <a:p>
+            <a:r>
+              <a:rPr lang="en-US" sz="4400" b="1" dirty="0" smtClean="0"/>
+              <a:t> V</a:t>
+            </a:r>
+            <a:r>
+              <a:rPr lang="en-US" sz="4400" b="1" baseline="-25000" dirty="0"/>
+              <a:t>1</a:t>
+            </a:r>
+            <a:endParaRPr lang="en-US" sz="4400" b="1" dirty="0"/>
+          </a:p>
+        </p:txBody>
+      </p:sp>
+      <p:sp>
+        <p:nvSpPr>
+          <p:cNvPr id="51" name="TextBox 50"/>
+          <p:cNvSpPr txBox="1"/>
+          <p:nvPr/>
+        </p:nvSpPr>
+        <p:spPr>
+          <a:xfrm>
+            <a:off x="2761548" y="4557126"/>
+            <a:ext cx="926315" cy="461665"/>
+          </a:xfrm>
+          <a:prstGeom prst="rect">
+            <a:avLst/>
+          </a:prstGeom>
+          <a:noFill/>
+        </p:spPr>
+        <p:txBody>
+          <a:bodyPr wrap="square" rtlCol="0">
+            <a:spAutoFit/>
+          </a:bodyPr>
+          <a:lstStyle/>
+          <a:p>
+            <a:r>
+              <a:rPr lang="en-US" sz="2400" b="1" dirty="0" smtClean="0"/>
+              <a:t> V</a:t>
+            </a:r>
+            <a:r>
+              <a:rPr lang="en-US" sz="2400" b="1" baseline="-25000" dirty="0" smtClean="0"/>
+              <a:t>1</a:t>
+            </a:r>
+            <a:r>
+              <a:rPr lang="en-US" sz="2400" b="1" dirty="0" smtClean="0"/>
+              <a:t>V</a:t>
+            </a:r>
+            <a:r>
+              <a:rPr lang="en-US" sz="2400" b="1" baseline="-25000" dirty="0" smtClean="0"/>
+              <a:t>2</a:t>
+            </a:r>
+            <a:endParaRPr lang="en-US" sz="2400" b="1" dirty="0"/>
+          </a:p>
+        </p:txBody>
+      </p:sp>
+      <p:sp>
+        <p:nvSpPr>
+          <p:cNvPr id="52" name="TextBox 51"/>
+          <p:cNvSpPr txBox="1"/>
+          <p:nvPr/>
+        </p:nvSpPr>
+        <p:spPr>
+          <a:xfrm>
+            <a:off x="3300118" y="5340226"/>
+            <a:ext cx="926315" cy="461665"/>
+          </a:xfrm>
+          <a:prstGeom prst="rect">
+            <a:avLst/>
+          </a:prstGeom>
+          <a:noFill/>
+        </p:spPr>
+        <p:txBody>
+          <a:bodyPr wrap="square" rtlCol="0">
+            <a:spAutoFit/>
+          </a:bodyPr>
+          <a:lstStyle/>
+          <a:p>
+            <a:r>
+              <a:rPr lang="en-US" sz="2400" b="1" dirty="0" smtClean="0"/>
+              <a:t> V</a:t>
+            </a:r>
+            <a:r>
+              <a:rPr lang="en-US" sz="2400" b="1" baseline="-25000" dirty="0" smtClean="0"/>
+              <a:t>2</a:t>
+            </a:r>
+            <a:r>
+              <a:rPr lang="en-US" sz="2400" b="1" dirty="0" smtClean="0"/>
+              <a:t>V</a:t>
+            </a:r>
+            <a:r>
+              <a:rPr lang="en-US" sz="2400" b="1" baseline="-25000" dirty="0"/>
+              <a:t>1</a:t>
+            </a:r>
+            <a:endParaRPr lang="en-US" sz="2400" b="1" dirty="0"/>
+          </a:p>
+        </p:txBody>
+      </p:sp>
+      <p:sp>
+        <p:nvSpPr>
+          <p:cNvPr id="53" name="TextBox 52"/>
+          <p:cNvSpPr txBox="1"/>
+          <p:nvPr/>
+        </p:nvSpPr>
+        <p:spPr>
+          <a:xfrm>
+            <a:off x="4909225" y="4823372"/>
+            <a:ext cx="968782" cy="769441"/>
+          </a:xfrm>
+          <a:prstGeom prst="rect">
+            <a:avLst/>
+          </a:prstGeom>
+          <a:noFill/>
+        </p:spPr>
+        <p:txBody>
+          <a:bodyPr wrap="square" rtlCol="0">
+            <a:spAutoFit/>
+          </a:bodyPr>
+          <a:lstStyle/>
+          <a:p>
+            <a:r>
+              <a:rPr lang="en-US" sz="4400" b="1" dirty="0" smtClean="0"/>
+              <a:t> N</a:t>
+            </a:r>
+            <a:r>
+              <a:rPr lang="en-US" sz="4400" b="1" baseline="-25000" dirty="0" smtClean="0"/>
+              <a:t>2</a:t>
+            </a:r>
+            <a:endParaRPr lang="en-US" sz="4400" b="1" dirty="0"/>
+          </a:p>
+        </p:txBody>
+      </p:sp>
+      <p:sp>
+        <p:nvSpPr>
+          <p:cNvPr id="54" name="TextBox 53"/>
+          <p:cNvSpPr txBox="1"/>
+          <p:nvPr/>
+        </p:nvSpPr>
+        <p:spPr>
+          <a:xfrm>
+            <a:off x="6364556" y="3362341"/>
+            <a:ext cx="968782" cy="769441"/>
+          </a:xfrm>
+          <a:prstGeom prst="rect">
+            <a:avLst/>
+          </a:prstGeom>
+          <a:noFill/>
+        </p:spPr>
+        <p:txBody>
+          <a:bodyPr wrap="square" rtlCol="0">
+            <a:spAutoFit/>
+          </a:bodyPr>
+          <a:lstStyle/>
+          <a:p>
+            <a:r>
+              <a:rPr lang="en-US" sz="4400" b="1" dirty="0" smtClean="0"/>
+              <a:t> N</a:t>
+            </a:r>
+            <a:r>
+              <a:rPr lang="en-US" sz="4400" b="1" baseline="-25000" dirty="0" smtClean="0"/>
+              <a:t>1</a:t>
+            </a:r>
+            <a:endParaRPr lang="en-US" sz="4400" b="1" dirty="0"/>
+          </a:p>
+        </p:txBody>
+      </p:sp>
+      <p:sp>
+        <p:nvSpPr>
+          <p:cNvPr id="55" name="TextBox 54"/>
+          <p:cNvSpPr txBox="1"/>
+          <p:nvPr/>
+        </p:nvSpPr>
+        <p:spPr>
+          <a:xfrm>
+            <a:off x="6096368" y="4541809"/>
+            <a:ext cx="926315" cy="461665"/>
+          </a:xfrm>
+          <a:prstGeom prst="rect">
+            <a:avLst/>
+          </a:prstGeom>
+          <a:noFill/>
+        </p:spPr>
+        <p:txBody>
+          <a:bodyPr wrap="square" rtlCol="0">
+            <a:spAutoFit/>
+          </a:bodyPr>
+          <a:lstStyle/>
+          <a:p>
+            <a:r>
+              <a:rPr lang="en-US" sz="2400" b="1" dirty="0" smtClean="0"/>
+              <a:t> N</a:t>
+            </a:r>
+            <a:r>
+              <a:rPr lang="en-US" sz="2400" b="1" baseline="-25000" dirty="0" smtClean="0"/>
+              <a:t>1</a:t>
+            </a:r>
+            <a:r>
+              <a:rPr lang="en-US" sz="2400" b="1" dirty="0"/>
+              <a:t>N</a:t>
+            </a:r>
+            <a:r>
+              <a:rPr lang="en-US" sz="2400" b="1" baseline="-25000" dirty="0" smtClean="0"/>
+              <a:t>2</a:t>
+            </a:r>
+            <a:endParaRPr lang="en-US" sz="2400" b="1" dirty="0"/>
+          </a:p>
+        </p:txBody>
+      </p:sp>
+      <p:sp>
+        <p:nvSpPr>
+          <p:cNvPr id="56" name="TextBox 55"/>
+          <p:cNvSpPr txBox="1"/>
+          <p:nvPr/>
+        </p:nvSpPr>
+        <p:spPr>
+          <a:xfrm>
+            <a:off x="6634938" y="5324909"/>
+            <a:ext cx="926315" cy="461665"/>
+          </a:xfrm>
+          <a:prstGeom prst="rect">
+            <a:avLst/>
+          </a:prstGeom>
+          <a:noFill/>
+        </p:spPr>
+        <p:txBody>
+          <a:bodyPr wrap="square" rtlCol="0">
+            <a:spAutoFit/>
+          </a:bodyPr>
+          <a:lstStyle/>
+          <a:p>
+            <a:r>
+              <a:rPr lang="en-US" sz="2400" b="1" dirty="0" smtClean="0"/>
+              <a:t> N</a:t>
+            </a:r>
+            <a:r>
+              <a:rPr lang="en-US" sz="2400" b="1" baseline="-25000" dirty="0" smtClean="0"/>
+              <a:t>2</a:t>
+            </a:r>
+            <a:r>
+              <a:rPr lang="en-US" sz="2400" b="1" dirty="0"/>
+              <a:t>N</a:t>
+            </a:r>
+            <a:r>
+              <a:rPr lang="en-US" sz="2400" b="1" baseline="-25000" dirty="0" smtClean="0"/>
+              <a:t>1</a:t>
+            </a:r>
+            <a:endParaRPr lang="en-US" sz="2400" b="1" dirty="0"/>
+          </a:p>
+        </p:txBody>
+      </p:sp>
+      <p:sp>
+        <p:nvSpPr>
+          <p:cNvPr id="57" name="TextBox 56"/>
+          <p:cNvSpPr txBox="1"/>
+          <p:nvPr/>
+        </p:nvSpPr>
+        <p:spPr>
+          <a:xfrm>
+            <a:off x="8344387" y="4857364"/>
+            <a:ext cx="968782" cy="769441"/>
+          </a:xfrm>
+          <a:prstGeom prst="rect">
+            <a:avLst/>
+          </a:prstGeom>
+          <a:noFill/>
+        </p:spPr>
+        <p:txBody>
+          <a:bodyPr wrap="square" rtlCol="0">
+            <a:spAutoFit/>
+          </a:bodyPr>
+          <a:lstStyle/>
+          <a:p>
+            <a:r>
+              <a:rPr lang="en-US" sz="4400" b="1" dirty="0" smtClean="0"/>
+              <a:t> V</a:t>
+            </a:r>
+            <a:r>
+              <a:rPr lang="en-US" sz="4400" b="1" baseline="-25000" dirty="0" smtClean="0"/>
+              <a:t>2</a:t>
+            </a:r>
+            <a:endParaRPr lang="en-US" sz="4400" b="1" dirty="0"/>
+          </a:p>
+        </p:txBody>
+      </p:sp>
+      <p:sp>
+        <p:nvSpPr>
+          <p:cNvPr id="58" name="TextBox 57"/>
+          <p:cNvSpPr txBox="1"/>
+          <p:nvPr/>
+        </p:nvSpPr>
+        <p:spPr>
+          <a:xfrm>
+            <a:off x="9799718" y="3396333"/>
+            <a:ext cx="968782" cy="769441"/>
+          </a:xfrm>
+          <a:prstGeom prst="rect">
+            <a:avLst/>
+          </a:prstGeom>
+          <a:noFill/>
+        </p:spPr>
+        <p:txBody>
+          <a:bodyPr wrap="square" rtlCol="0">
+            <a:spAutoFit/>
+          </a:bodyPr>
+          <a:lstStyle/>
+          <a:p>
+            <a:r>
+              <a:rPr lang="en-US" sz="4400" b="1" dirty="0" smtClean="0"/>
+              <a:t> N</a:t>
+            </a:r>
+            <a:r>
+              <a:rPr lang="en-US" sz="4400" b="1" baseline="-25000" dirty="0" smtClean="0"/>
+              <a:t>1</a:t>
+            </a:r>
+            <a:endParaRPr lang="en-US" sz="4400" b="1" dirty="0"/>
+          </a:p>
+        </p:txBody>
+      </p:sp>
+      <p:sp>
+        <p:nvSpPr>
+          <p:cNvPr id="59" name="TextBox 58"/>
+          <p:cNvSpPr txBox="1"/>
+          <p:nvPr/>
+        </p:nvSpPr>
+        <p:spPr>
+          <a:xfrm>
+            <a:off x="9531530" y="4575801"/>
+            <a:ext cx="926315" cy="461665"/>
+          </a:xfrm>
+          <a:prstGeom prst="rect">
+            <a:avLst/>
+          </a:prstGeom>
+          <a:noFill/>
+        </p:spPr>
+        <p:txBody>
+          <a:bodyPr wrap="square" rtlCol="0">
+            <a:spAutoFit/>
+          </a:bodyPr>
+          <a:lstStyle/>
+          <a:p>
+            <a:r>
+              <a:rPr lang="en-US" sz="2400" b="1" dirty="0" smtClean="0"/>
+              <a:t> N</a:t>
+            </a:r>
+            <a:r>
+              <a:rPr lang="en-US" sz="2400" b="1" baseline="-25000" dirty="0" smtClean="0"/>
+              <a:t>1</a:t>
+            </a:r>
+            <a:r>
+              <a:rPr lang="en-US" sz="2400" b="1" dirty="0" smtClean="0"/>
+              <a:t>V</a:t>
+            </a:r>
+            <a:r>
+              <a:rPr lang="en-US" sz="2400" b="1" baseline="-25000" dirty="0" smtClean="0"/>
+              <a:t>2</a:t>
+            </a:r>
+            <a:endParaRPr lang="en-US" sz="2400" b="1" dirty="0"/>
+          </a:p>
+        </p:txBody>
+      </p:sp>
+      <p:sp>
+        <p:nvSpPr>
+          <p:cNvPr id="60" name="TextBox 59"/>
+          <p:cNvSpPr txBox="1"/>
+          <p:nvPr/>
+        </p:nvSpPr>
+        <p:spPr>
+          <a:xfrm>
+            <a:off x="10070100" y="5358901"/>
+            <a:ext cx="926315" cy="461665"/>
+          </a:xfrm>
+          <a:prstGeom prst="rect">
+            <a:avLst/>
+          </a:prstGeom>
+          <a:noFill/>
+        </p:spPr>
+        <p:txBody>
+          <a:bodyPr wrap="square" rtlCol="0">
+            <a:spAutoFit/>
+          </a:bodyPr>
+          <a:lstStyle/>
+          <a:p>
+            <a:r>
+              <a:rPr lang="en-US" sz="2400" b="1" dirty="0" smtClean="0"/>
+              <a:t> V</a:t>
+            </a:r>
+            <a:r>
+              <a:rPr lang="en-US" sz="2400" b="1" baseline="-25000" dirty="0" smtClean="0"/>
+              <a:t>2</a:t>
+            </a:r>
+            <a:r>
+              <a:rPr lang="en-US" sz="2400" b="1" dirty="0"/>
+              <a:t>N</a:t>
+            </a:r>
+            <a:r>
+              <a:rPr lang="en-US" sz="2400" b="1" baseline="-25000" dirty="0" smtClean="0"/>
+              <a:t>1</a:t>
+            </a:r>
+            <a:endParaRPr lang="en-US" sz="2400" b="1" dirty="0"/>
+          </a:p>
+        </p:txBody>
+      </p:sp>
+    </p:spTree>
+    <p:extLst>
+      <p:ext uri="{BB962C8B-B14F-4D97-AF65-F5344CB8AC3E}">
+        <p14:creationId xmlns:p14="http://schemas.microsoft.com/office/powerpoint/2010/main" val="980333694"/>
+      </p:ext>
+    </p:extLst>
+  </p:cSld>
+  <p:clrMapOvr>
+    <a:masterClrMapping/>
+  </p:clrMapOvr>
+</p:sld>
+</file>
+
 <file path=ppt/theme/theme1.xml><?xml version="1.0" encoding="utf-8"?>
 <a:theme xmlns:a="http://schemas.openxmlformats.org/drawingml/2006/main" name="Office Theme">
   <a:themeElements>
-    <a:clrScheme name="Office">
+    <a:clrScheme name="Office Theme">
       <a:dk1>
         <a:sysClr val="windowText" lastClr="000000"/>
       </a:dk1>
@@ -3820,14 +6025,14 @@
         <a:srgbClr val="954F72"/>
       </a:folHlink>
     </a:clrScheme>
-    <a:fontScheme name="Office">
+    <a:fontScheme name="Office Theme">
       <a:majorFont>
         <a:latin typeface="Calibri Light" panose="020F0302020204030204"/>
         <a:ea typeface=""/>
         <a:cs typeface=""/>
-        <a:font script="Jpan" typeface="Yu Gothic Light"/>
+        <a:font script="Jpan" typeface="ＭＳ Ｐゴシック"/>
         <a:font script="Hang" typeface="맑은 고딕"/>
-        <a:font script="Hans" typeface="DengXian Light"/>
+        <a:font script="Hans" typeface="宋体"/>
         <a:font script="Hant" typeface="新細明體"/>
         <a:font script="Arab" typeface="Times New Roman"/>
         <a:font script="Hebr" typeface="Times New Roman"/>
@@ -3860,9 +6065,9 @@
         <a:latin typeface="Calibri" panose="020F0502020204030204"/>
         <a:ea typeface=""/>
         <a:cs typeface=""/>
-        <a:font script="Jpan" typeface="Yu Gothic"/>
+        <a:font script="Jpan" typeface="ＭＳ Ｐゴシック"/>
         <a:font script="Hang" typeface="맑은 고딕"/>
-        <a:font script="Hans" typeface="DengXian"/>
+        <a:font script="Hans" typeface="宋体"/>
         <a:font script="Hant" typeface="新細明體"/>
         <a:font script="Arab" typeface="Arial"/>
         <a:font script="Hebr" typeface="Arial"/>
@@ -3892,7 +6097,7 @@
         <a:font script="Geor" typeface="Sylfaen"/>
       </a:minorFont>
     </a:fontScheme>
-    <a:fmtScheme name="Office">
+    <a:fmtScheme name="Office Theme">
       <a:fillStyleLst>
         <a:solidFill>
           <a:schemeClr val="phClr"/>
